--- a/Shared/[FastCampus] 1주차_강의자료_김경원박사.pptx
+++ b/Shared/[FastCampus] 1주차_강의자료_김경원박사.pptx
@@ -267,7 +267,7 @@
           <a:p>
             <a:fld id="{FC718EE8-BF93-4A17-BED5-FC99EECA5FC7}" type="datetimeFigureOut">
               <a:rPr lang="ko-KR" altLang="en-US" smtClean="0"/>
-              <a:t>2019-07-21</a:t>
+              <a:t>2019-08-04</a:t>
             </a:fld>
             <a:endParaRPr lang="ko-KR" altLang="en-US"/>
           </a:p>
@@ -432,7 +432,7 @@
           <a:p>
             <a:fld id="{6101F873-BA02-446B-9127-C4DE4310B943}" type="datetimeFigureOut">
               <a:rPr lang="ko-KR" altLang="en-US" smtClean="0"/>
-              <a:t>2019-07-21</a:t>
+              <a:t>2019-08-04</a:t>
             </a:fld>
             <a:endParaRPr lang="ko-KR" altLang="en-US"/>
           </a:p>
@@ -962,7 +962,7 @@
           <a:p>
             <a:fld id="{89B5E594-86C5-4F1D-8812-38DF40064943}" type="datetime1">
               <a:rPr lang="ko-KR" altLang="en-US" smtClean="0"/>
-              <a:t>2019-07-21</a:t>
+              <a:t>2019-08-04</a:t>
             </a:fld>
             <a:endParaRPr lang="ko-KR" altLang="en-US"/>
           </a:p>
@@ -1170,7 +1170,7 @@
           <a:p>
             <a:fld id="{05C0B17C-522D-4CD8-8139-01EDEBAB2AF6}" type="datetime1">
               <a:rPr lang="ko-KR" altLang="en-US" smtClean="0"/>
-              <a:t>2019-07-21</a:t>
+              <a:t>2019-08-04</a:t>
             </a:fld>
             <a:endParaRPr lang="ko-KR" altLang="en-US"/>
           </a:p>
@@ -1348,7 +1348,7 @@
           <a:p>
             <a:fld id="{7345261C-38F3-40E7-AAA6-CE27B727AA65}" type="datetime1">
               <a:rPr lang="ko-KR" altLang="en-US" smtClean="0"/>
-              <a:t>2019-07-21</a:t>
+              <a:t>2019-08-04</a:t>
             </a:fld>
             <a:endParaRPr lang="ko-KR" altLang="en-US"/>
           </a:p>
@@ -1516,7 +1516,7 @@
           <a:p>
             <a:fld id="{A8472951-AD8C-47B8-8787-30E2F4BFA1EA}" type="datetime1">
               <a:rPr lang="ko-KR" altLang="en-US" smtClean="0"/>
-              <a:t>2019-07-21</a:t>
+              <a:t>2019-08-04</a:t>
             </a:fld>
             <a:endParaRPr lang="ko-KR" altLang="en-US"/>
           </a:p>
@@ -1771,7 +1771,7 @@
           <a:p>
             <a:fld id="{8BCB1BBF-13D1-46E6-8B8B-C9F26A0BAD91}" type="datetime1">
               <a:rPr lang="ko-KR" altLang="en-US" smtClean="0"/>
-              <a:t>2019-07-21</a:t>
+              <a:t>2019-08-04</a:t>
             </a:fld>
             <a:endParaRPr lang="ko-KR" altLang="en-US"/>
           </a:p>
@@ -2056,7 +2056,7 @@
           <a:p>
             <a:fld id="{B16FDC3D-FD6A-49DF-B101-11717D57279F}" type="datetime1">
               <a:rPr lang="ko-KR" altLang="en-US" smtClean="0"/>
-              <a:t>2019-07-21</a:t>
+              <a:t>2019-08-04</a:t>
             </a:fld>
             <a:endParaRPr lang="ko-KR" altLang="en-US"/>
           </a:p>
@@ -2475,7 +2475,7 @@
           <a:p>
             <a:fld id="{42D411A2-FD90-4A19-98A8-25197A66BC26}" type="datetime1">
               <a:rPr lang="ko-KR" altLang="en-US" smtClean="0"/>
-              <a:t>2019-07-21</a:t>
+              <a:t>2019-08-04</a:t>
             </a:fld>
             <a:endParaRPr lang="ko-KR" altLang="en-US"/>
           </a:p>
@@ -2592,7 +2592,7 @@
           <a:p>
             <a:fld id="{F6E6B532-6471-449A-9A2F-4428556C2F98}" type="datetime1">
               <a:rPr lang="ko-KR" altLang="en-US" smtClean="0"/>
-              <a:t>2019-07-21</a:t>
+              <a:t>2019-08-04</a:t>
             </a:fld>
             <a:endParaRPr lang="ko-KR" altLang="en-US"/>
           </a:p>
@@ -2687,7 +2687,7 @@
           <a:p>
             <a:fld id="{45A9E13B-856D-4562-A86D-A2B6F7BF810F}" type="datetime1">
               <a:rPr lang="ko-KR" altLang="en-US" smtClean="0"/>
-              <a:t>2019-07-21</a:t>
+              <a:t>2019-08-04</a:t>
             </a:fld>
             <a:endParaRPr lang="ko-KR" altLang="en-US"/>
           </a:p>
@@ -2962,7 +2962,7 @@
           <a:p>
             <a:fld id="{A672FB3A-7E9E-4380-9381-6FCA87FBB41A}" type="datetime1">
               <a:rPr lang="ko-KR" altLang="en-US" smtClean="0"/>
-              <a:t>2019-07-21</a:t>
+              <a:t>2019-08-04</a:t>
             </a:fld>
             <a:endParaRPr lang="ko-KR" altLang="en-US"/>
           </a:p>
@@ -3214,7 +3214,7 @@
           <a:p>
             <a:fld id="{3948CCBA-1514-4E9E-888A-807450F810B0}" type="datetime1">
               <a:rPr lang="ko-KR" altLang="en-US" smtClean="0"/>
-              <a:t>2019-07-21</a:t>
+              <a:t>2019-08-04</a:t>
             </a:fld>
             <a:endParaRPr lang="ko-KR" altLang="en-US"/>
           </a:p>
@@ -3427,7 +3427,7 @@
           <a:p>
             <a:fld id="{170EDEE7-370E-499F-B978-ABF387098974}" type="datetime1">
               <a:rPr lang="ko-KR" altLang="en-US" smtClean="0"/>
-              <a:t>2019-07-21</a:t>
+              <a:t>2019-08-04</a:t>
             </a:fld>
             <a:endParaRPr lang="ko-KR" altLang="en-US" dirty="0"/>
           </a:p>
@@ -5466,7 +5466,7 @@
         <p:spPr>
           <a:xfrm>
             <a:off x="542135" y="855851"/>
-            <a:ext cx="11298630" cy="3508653"/>
+            <a:ext cx="11298630" cy="2708434"/>
           </a:xfrm>
           <a:prstGeom prst="rect">
             <a:avLst/>
@@ -5497,7 +5497,7 @@
                 <a:latin typeface="Noto Sans CJK KR Black" panose="020B0A00000000000000" pitchFamily="34" charset="-127"/>
                 <a:ea typeface="Noto Sans CJK KR Black" panose="020B0A00000000000000" pitchFamily="34" charset="-127"/>
               </a:rPr>
-              <a:t>주차 강의의 목적</a:t>
+              <a:t>주차 </a:t>
             </a:r>
             <a:endParaRPr lang="en-US" altLang="ko-KR" sz="4400" dirty="0">
               <a:solidFill>
@@ -5508,6 +5508,16 @@
             </a:endParaRPr>
           </a:p>
           <a:p>
+            <a:r>
+              <a:rPr lang="ko-KR" altLang="en-US" sz="4400" dirty="0">
+                <a:solidFill>
+                  <a:schemeClr val="bg1"/>
+                </a:solidFill>
+                <a:latin typeface="Noto Sans CJK KR Black" panose="020B0A00000000000000" pitchFamily="34" charset="-127"/>
+                <a:ea typeface="Noto Sans CJK KR Black" panose="020B0A00000000000000" pitchFamily="34" charset="-127"/>
+              </a:rPr>
+              <a:t>강의의 목적</a:t>
+            </a:r>
             <a:endParaRPr lang="en-US" altLang="ko-KR" sz="4400" dirty="0">
               <a:solidFill>
                 <a:schemeClr val="bg1"/>
@@ -5526,157 +5536,13 @@
             </a:endParaRPr>
           </a:p>
           <a:p>
-            <a:r>
-              <a:rPr lang="en-US" altLang="ko-KR" sz="3200" dirty="0">
-                <a:solidFill>
-                  <a:schemeClr val="bg1"/>
-                </a:solidFill>
-                <a:latin typeface="Noto Sans CJK KR Black" panose="020B0A00000000000000" pitchFamily="34" charset="-127"/>
-                <a:ea typeface="Noto Sans CJK KR Black" panose="020B0A00000000000000" pitchFamily="34" charset="-127"/>
-              </a:rPr>
-              <a:t>“</a:t>
-            </a:r>
-            <a:r>
-              <a:rPr lang="ko-KR" altLang="en-US" sz="3200" dirty="0">
-                <a:solidFill>
-                  <a:schemeClr val="bg1"/>
-                </a:solidFill>
-                <a:latin typeface="Noto Sans CJK KR Black" panose="020B0A00000000000000" pitchFamily="34" charset="-127"/>
-                <a:ea typeface="Noto Sans CJK KR Black" panose="020B0A00000000000000" pitchFamily="34" charset="-127"/>
-              </a:rPr>
-              <a:t>데이터분석 </a:t>
-            </a:r>
-            <a:r>
-              <a:rPr lang="ko-KR" altLang="en-US" sz="3200" dirty="0" err="1">
-                <a:solidFill>
-                  <a:schemeClr val="bg1"/>
-                </a:solidFill>
-                <a:latin typeface="Noto Sans CJK KR Black" panose="020B0A00000000000000" pitchFamily="34" charset="-127"/>
-                <a:ea typeface="Noto Sans CJK KR Black" panose="020B0A00000000000000" pitchFamily="34" charset="-127"/>
-              </a:rPr>
-              <a:t>싸이클</a:t>
-            </a:r>
-            <a:r>
-              <a:rPr lang="ko-KR" altLang="en-US" sz="3200" dirty="0">
-                <a:solidFill>
-                  <a:schemeClr val="bg1"/>
-                </a:solidFill>
-                <a:latin typeface="Noto Sans CJK KR Black" panose="020B0A00000000000000" pitchFamily="34" charset="-127"/>
-                <a:ea typeface="Noto Sans CJK KR Black" panose="020B0A00000000000000" pitchFamily="34" charset="-127"/>
-              </a:rPr>
-              <a:t> 이해하기</a:t>
-            </a:r>
-            <a:r>
-              <a:rPr lang="en-US" altLang="ko-KR" sz="3200" dirty="0">
-                <a:solidFill>
-                  <a:schemeClr val="bg1"/>
-                </a:solidFill>
-                <a:latin typeface="Noto Sans CJK KR Black" panose="020B0A00000000000000" pitchFamily="34" charset="-127"/>
-                <a:ea typeface="Noto Sans CJK KR Black" panose="020B0A00000000000000" pitchFamily="34" charset="-127"/>
-              </a:rPr>
-              <a:t>“</a:t>
-            </a:r>
-          </a:p>
-          <a:p>
-            <a:r>
-              <a:rPr lang="en-US" altLang="ko-KR" sz="3200" dirty="0">
-                <a:solidFill>
-                  <a:schemeClr val="bg1"/>
-                </a:solidFill>
-                <a:latin typeface="Noto Sans CJK KR Black" panose="020B0A00000000000000" pitchFamily="34" charset="-127"/>
-                <a:ea typeface="Noto Sans CJK KR Black" panose="020B0A00000000000000" pitchFamily="34" charset="-127"/>
-              </a:rPr>
-              <a:t>“</a:t>
-            </a:r>
-            <a:r>
-              <a:rPr lang="ko-KR" altLang="en-US" sz="3200" dirty="0">
-                <a:solidFill>
-                  <a:schemeClr val="bg1"/>
-                </a:solidFill>
-                <a:latin typeface="Noto Sans CJK KR Black" panose="020B0A00000000000000" pitchFamily="34" charset="-127"/>
-                <a:ea typeface="Noto Sans CJK KR Black" panose="020B0A00000000000000" pitchFamily="34" charset="-127"/>
-              </a:rPr>
-              <a:t>분석 단계별 의사결정을 위한 수학</a:t>
-            </a:r>
-            <a:r>
-              <a:rPr lang="en-US" altLang="ko-KR" sz="3200" dirty="0">
-                <a:solidFill>
-                  <a:schemeClr val="bg1"/>
-                </a:solidFill>
-                <a:latin typeface="Noto Sans CJK KR Black" panose="020B0A00000000000000" pitchFamily="34" charset="-127"/>
-                <a:ea typeface="Noto Sans CJK KR Black" panose="020B0A00000000000000" pitchFamily="34" charset="-127"/>
-              </a:rPr>
-              <a:t>/</a:t>
-            </a:r>
-            <a:r>
-              <a:rPr lang="ko-KR" altLang="en-US" sz="3200" dirty="0">
-                <a:solidFill>
-                  <a:schemeClr val="bg1"/>
-                </a:solidFill>
-                <a:latin typeface="Noto Sans CJK KR Black" panose="020B0A00000000000000" pitchFamily="34" charset="-127"/>
-                <a:ea typeface="Noto Sans CJK KR Black" panose="020B0A00000000000000" pitchFamily="34" charset="-127"/>
-              </a:rPr>
-              <a:t>통계언어 이해하기“</a:t>
-            </a:r>
-            <a:endParaRPr lang="en-US" altLang="ko-KR" sz="3200" dirty="0">
+            <a:endParaRPr lang="en-US" altLang="ko-KR" sz="4400" dirty="0">
               <a:solidFill>
                 <a:schemeClr val="bg1"/>
               </a:solidFill>
               <a:latin typeface="Noto Sans CJK KR Black" panose="020B0A00000000000000" pitchFamily="34" charset="-127"/>
               <a:ea typeface="Noto Sans CJK KR Black" panose="020B0A00000000000000" pitchFamily="34" charset="-127"/>
             </a:endParaRPr>
-          </a:p>
-          <a:p>
-            <a:r>
-              <a:rPr lang="en-US" altLang="ko-KR" sz="3200" dirty="0">
-                <a:solidFill>
-                  <a:schemeClr val="bg1"/>
-                </a:solidFill>
-                <a:latin typeface="Noto Sans CJK KR Black" panose="020B0A00000000000000" pitchFamily="34" charset="-127"/>
-                <a:ea typeface="Noto Sans CJK KR Black" panose="020B0A00000000000000" pitchFamily="34" charset="-127"/>
-              </a:rPr>
-              <a:t>“</a:t>
-            </a:r>
-            <a:r>
-              <a:rPr lang="ko-KR" altLang="en-US" sz="3200" dirty="0">
-                <a:solidFill>
-                  <a:schemeClr val="bg1"/>
-                </a:solidFill>
-                <a:latin typeface="Noto Sans CJK KR Black" panose="020B0A00000000000000" pitchFamily="34" charset="-127"/>
-                <a:ea typeface="Noto Sans CJK KR Black" panose="020B0A00000000000000" pitchFamily="34" charset="-127"/>
-              </a:rPr>
-              <a:t>컴퓨터와 소통하기 위한 프로그래밍 언어</a:t>
-            </a:r>
-            <a:r>
-              <a:rPr lang="en-US" altLang="ko-KR" sz="3200" dirty="0">
-                <a:solidFill>
-                  <a:schemeClr val="bg1"/>
-                </a:solidFill>
-                <a:latin typeface="Noto Sans CJK KR Black" panose="020B0A00000000000000" pitchFamily="34" charset="-127"/>
-                <a:ea typeface="Noto Sans CJK KR Black" panose="020B0A00000000000000" pitchFamily="34" charset="-127"/>
-              </a:rPr>
-              <a:t>(Python) </a:t>
-            </a:r>
-            <a:r>
-              <a:rPr lang="ko-KR" altLang="en-US" sz="3200" dirty="0">
-                <a:solidFill>
-                  <a:schemeClr val="bg1"/>
-                </a:solidFill>
-                <a:latin typeface="Noto Sans CJK KR Black" panose="020B0A00000000000000" pitchFamily="34" charset="-127"/>
-                <a:ea typeface="Noto Sans CJK KR Black" panose="020B0A00000000000000" pitchFamily="34" charset="-127"/>
-              </a:rPr>
-              <a:t>이해하기</a:t>
-            </a:r>
-            <a:r>
-              <a:rPr lang="en-US" altLang="ko-KR" sz="3200" dirty="0">
-                <a:solidFill>
-                  <a:schemeClr val="bg1"/>
-                </a:solidFill>
-                <a:latin typeface="Noto Sans CJK KR Black" panose="020B0A00000000000000" pitchFamily="34" charset="-127"/>
-                <a:ea typeface="Noto Sans CJK KR Black" panose="020B0A00000000000000" pitchFamily="34" charset="-127"/>
-              </a:rPr>
-              <a:t>”</a:t>
-            </a:r>
           </a:p>
         </p:txBody>
       </p:sp>
@@ -5714,6 +5580,79 @@
               <a:latin typeface="Noto Sans CJK KR Medium" panose="020B0600000000000000" pitchFamily="34" charset="-127"/>
               <a:ea typeface="Noto Sans CJK KR Medium" panose="020B0600000000000000" pitchFamily="34" charset="-127"/>
             </a:endParaRPr>
+          </a:p>
+        </p:txBody>
+      </p:sp>
+      <p:pic>
+        <p:nvPicPr>
+          <p:cNvPr id="6" name="그림 5">
+            <a:extLst>
+              <a:ext uri="{FF2B5EF4-FFF2-40B4-BE49-F238E27FC236}">
+                <a16:creationId xmlns:a16="http://schemas.microsoft.com/office/drawing/2014/main" id="{DB5EDEC6-8B0A-462F-8B63-AB96D03FE054}"/>
+              </a:ext>
+            </a:extLst>
+          </p:cNvPr>
+          <p:cNvPicPr>
+            <a:picLocks noChangeAspect="1"/>
+          </p:cNvPicPr>
+          <p:nvPr/>
+        </p:nvPicPr>
+        <p:blipFill>
+          <a:blip r:embed="rId3">
+            <a:extLst>
+              <a:ext uri="{28A0092B-C50C-407E-A947-70E740481C1C}">
+                <a14:useLocalDpi xmlns:a14="http://schemas.microsoft.com/office/drawing/2010/main" val="0"/>
+              </a:ext>
+            </a:extLst>
+          </a:blip>
+          <a:stretch>
+            <a:fillRect/>
+          </a:stretch>
+        </p:blipFill>
+        <p:spPr>
+          <a:xfrm>
+            <a:off x="4604447" y="5246"/>
+            <a:ext cx="7555803" cy="6840538"/>
+          </a:xfrm>
+          <a:prstGeom prst="rect">
+            <a:avLst/>
+          </a:prstGeom>
+        </p:spPr>
+      </p:pic>
+      <p:sp>
+        <p:nvSpPr>
+          <p:cNvPr id="7" name="TextBox 6">
+            <a:extLst>
+              <a:ext uri="{FF2B5EF4-FFF2-40B4-BE49-F238E27FC236}">
+                <a16:creationId xmlns:a16="http://schemas.microsoft.com/office/drawing/2014/main" id="{7E9410BA-D4C7-4917-A0C0-356C06304EF3}"/>
+              </a:ext>
+            </a:extLst>
+          </p:cNvPr>
+          <p:cNvSpPr txBox="1"/>
+          <p:nvPr/>
+        </p:nvSpPr>
+        <p:spPr>
+          <a:xfrm>
+            <a:off x="4604447" y="828683"/>
+            <a:ext cx="3635918" cy="4823834"/>
+          </a:xfrm>
+          <a:prstGeom prst="rect">
+            <a:avLst/>
+          </a:prstGeom>
+          <a:noFill/>
+          <a:ln w="38100">
+            <a:solidFill>
+              <a:srgbClr val="FF0000"/>
+            </a:solidFill>
+          </a:ln>
+        </p:spPr>
+        <p:txBody>
+          <a:bodyPr wrap="square" rtlCol="0">
+            <a:spAutoFit/>
+          </a:bodyPr>
+          <a:lstStyle/>
+          <a:p>
+            <a:endParaRPr lang="ko-KR" altLang="en-US" dirty="0"/>
           </a:p>
         </p:txBody>
       </p:sp>

--- a/Shared/[FastCampus] 1주차_강의자료_김경원박사.pptx
+++ b/Shared/[FastCampus] 1주차_강의자료_김경원박사.pptx
@@ -5,10 +5,10 @@
     <p:sldMasterId id="2147483648" r:id="rId1"/>
   </p:sldMasterIdLst>
   <p:notesMasterIdLst>
-    <p:notesMasterId r:id="rId38"/>
+    <p:notesMasterId r:id="rId40"/>
   </p:notesMasterIdLst>
   <p:handoutMasterIdLst>
-    <p:handoutMasterId r:id="rId39"/>
+    <p:handoutMasterId r:id="rId41"/>
   </p:handoutMasterIdLst>
   <p:sldIdLst>
     <p:sldId id="1063" r:id="rId2"/>
@@ -31,30 +31,32 @@
     <p:sldId id="1116" r:id="rId19"/>
     <p:sldId id="1117" r:id="rId20"/>
     <p:sldId id="1118" r:id="rId21"/>
-    <p:sldId id="1119" r:id="rId22"/>
-    <p:sldId id="1125" r:id="rId23"/>
-    <p:sldId id="1120" r:id="rId24"/>
-    <p:sldId id="1121" r:id="rId25"/>
-    <p:sldId id="1122" r:id="rId26"/>
-    <p:sldId id="1123" r:id="rId27"/>
-    <p:sldId id="1130" r:id="rId28"/>
-    <p:sldId id="1124" r:id="rId29"/>
-    <p:sldId id="1126" r:id="rId30"/>
-    <p:sldId id="1127" r:id="rId31"/>
-    <p:sldId id="1128" r:id="rId32"/>
-    <p:sldId id="1129" r:id="rId33"/>
-    <p:sldId id="1131" r:id="rId34"/>
-    <p:sldId id="1133" r:id="rId35"/>
-    <p:sldId id="1134" r:id="rId36"/>
-    <p:sldId id="1062" r:id="rId37"/>
+    <p:sldId id="1135" r:id="rId22"/>
+    <p:sldId id="1136" r:id="rId23"/>
+    <p:sldId id="1119" r:id="rId24"/>
+    <p:sldId id="1125" r:id="rId25"/>
+    <p:sldId id="1120" r:id="rId26"/>
+    <p:sldId id="1121" r:id="rId27"/>
+    <p:sldId id="1122" r:id="rId28"/>
+    <p:sldId id="1123" r:id="rId29"/>
+    <p:sldId id="1130" r:id="rId30"/>
+    <p:sldId id="1124" r:id="rId31"/>
+    <p:sldId id="1126" r:id="rId32"/>
+    <p:sldId id="1127" r:id="rId33"/>
+    <p:sldId id="1128" r:id="rId34"/>
+    <p:sldId id="1129" r:id="rId35"/>
+    <p:sldId id="1131" r:id="rId36"/>
+    <p:sldId id="1133" r:id="rId37"/>
+    <p:sldId id="1134" r:id="rId38"/>
+    <p:sldId id="1062" r:id="rId39"/>
   </p:sldIdLst>
   <p:sldSz cx="12160250" cy="6840538"/>
   <p:notesSz cx="9874250" cy="6797675"/>
   <p:embeddedFontLst>
     <p:embeddedFont>
       <p:font typeface="맑은 고딕" panose="020B0503020000020004" pitchFamily="50" charset="-127"/>
-      <p:regular r:id="rId40"/>
-      <p:bold r:id="rId41"/>
+      <p:regular r:id="rId42"/>
+      <p:bold r:id="rId43"/>
     </p:embeddedFont>
   </p:embeddedFontLst>
   <p:defaultTextStyle>
@@ -267,7 +269,7 @@
           <a:p>
             <a:fld id="{FC718EE8-BF93-4A17-BED5-FC99EECA5FC7}" type="datetimeFigureOut">
               <a:rPr lang="ko-KR" altLang="en-US" smtClean="0"/>
-              <a:t>2019-08-04</a:t>
+              <a:t>2019-10-11</a:t>
             </a:fld>
             <a:endParaRPr lang="ko-KR" altLang="en-US"/>
           </a:p>
@@ -432,7 +434,7 @@
           <a:p>
             <a:fld id="{6101F873-BA02-446B-9127-C4DE4310B943}" type="datetimeFigureOut">
               <a:rPr lang="ko-KR" altLang="en-US" smtClean="0"/>
-              <a:t>2019-08-04</a:t>
+              <a:t>2019-10-11</a:t>
             </a:fld>
             <a:endParaRPr lang="ko-KR" altLang="en-US"/>
           </a:p>
@@ -962,7 +964,7 @@
           <a:p>
             <a:fld id="{89B5E594-86C5-4F1D-8812-38DF40064943}" type="datetime1">
               <a:rPr lang="ko-KR" altLang="en-US" smtClean="0"/>
-              <a:t>2019-08-04</a:t>
+              <a:t>2019-10-11</a:t>
             </a:fld>
             <a:endParaRPr lang="ko-KR" altLang="en-US"/>
           </a:p>
@@ -1170,7 +1172,7 @@
           <a:p>
             <a:fld id="{05C0B17C-522D-4CD8-8139-01EDEBAB2AF6}" type="datetime1">
               <a:rPr lang="ko-KR" altLang="en-US" smtClean="0"/>
-              <a:t>2019-08-04</a:t>
+              <a:t>2019-10-11</a:t>
             </a:fld>
             <a:endParaRPr lang="ko-KR" altLang="en-US"/>
           </a:p>
@@ -1348,7 +1350,7 @@
           <a:p>
             <a:fld id="{7345261C-38F3-40E7-AAA6-CE27B727AA65}" type="datetime1">
               <a:rPr lang="ko-KR" altLang="en-US" smtClean="0"/>
-              <a:t>2019-08-04</a:t>
+              <a:t>2019-10-11</a:t>
             </a:fld>
             <a:endParaRPr lang="ko-KR" altLang="en-US"/>
           </a:p>
@@ -1516,7 +1518,7 @@
           <a:p>
             <a:fld id="{A8472951-AD8C-47B8-8787-30E2F4BFA1EA}" type="datetime1">
               <a:rPr lang="ko-KR" altLang="en-US" smtClean="0"/>
-              <a:t>2019-08-04</a:t>
+              <a:t>2019-10-11</a:t>
             </a:fld>
             <a:endParaRPr lang="ko-KR" altLang="en-US"/>
           </a:p>
@@ -1771,7 +1773,7 @@
           <a:p>
             <a:fld id="{8BCB1BBF-13D1-46E6-8B8B-C9F26A0BAD91}" type="datetime1">
               <a:rPr lang="ko-KR" altLang="en-US" smtClean="0"/>
-              <a:t>2019-08-04</a:t>
+              <a:t>2019-10-11</a:t>
             </a:fld>
             <a:endParaRPr lang="ko-KR" altLang="en-US"/>
           </a:p>
@@ -2056,7 +2058,7 @@
           <a:p>
             <a:fld id="{B16FDC3D-FD6A-49DF-B101-11717D57279F}" type="datetime1">
               <a:rPr lang="ko-KR" altLang="en-US" smtClean="0"/>
-              <a:t>2019-08-04</a:t>
+              <a:t>2019-10-11</a:t>
             </a:fld>
             <a:endParaRPr lang="ko-KR" altLang="en-US"/>
           </a:p>
@@ -2475,7 +2477,7 @@
           <a:p>
             <a:fld id="{42D411A2-FD90-4A19-98A8-25197A66BC26}" type="datetime1">
               <a:rPr lang="ko-KR" altLang="en-US" smtClean="0"/>
-              <a:t>2019-08-04</a:t>
+              <a:t>2019-10-11</a:t>
             </a:fld>
             <a:endParaRPr lang="ko-KR" altLang="en-US"/>
           </a:p>
@@ -2592,7 +2594,7 @@
           <a:p>
             <a:fld id="{F6E6B532-6471-449A-9A2F-4428556C2F98}" type="datetime1">
               <a:rPr lang="ko-KR" altLang="en-US" smtClean="0"/>
-              <a:t>2019-08-04</a:t>
+              <a:t>2019-10-11</a:t>
             </a:fld>
             <a:endParaRPr lang="ko-KR" altLang="en-US"/>
           </a:p>
@@ -2687,7 +2689,7 @@
           <a:p>
             <a:fld id="{45A9E13B-856D-4562-A86D-A2B6F7BF810F}" type="datetime1">
               <a:rPr lang="ko-KR" altLang="en-US" smtClean="0"/>
-              <a:t>2019-08-04</a:t>
+              <a:t>2019-10-11</a:t>
             </a:fld>
             <a:endParaRPr lang="ko-KR" altLang="en-US"/>
           </a:p>
@@ -2962,7 +2964,7 @@
           <a:p>
             <a:fld id="{A672FB3A-7E9E-4380-9381-6FCA87FBB41A}" type="datetime1">
               <a:rPr lang="ko-KR" altLang="en-US" smtClean="0"/>
-              <a:t>2019-08-04</a:t>
+              <a:t>2019-10-11</a:t>
             </a:fld>
             <a:endParaRPr lang="ko-KR" altLang="en-US"/>
           </a:p>
@@ -3214,7 +3216,7 @@
           <a:p>
             <a:fld id="{3948CCBA-1514-4E9E-888A-807450F810B0}" type="datetime1">
               <a:rPr lang="ko-KR" altLang="en-US" smtClean="0"/>
-              <a:t>2019-08-04</a:t>
+              <a:t>2019-10-11</a:t>
             </a:fld>
             <a:endParaRPr lang="ko-KR" altLang="en-US"/>
           </a:p>
@@ -3427,7 +3429,7 @@
           <a:p>
             <a:fld id="{170EDEE7-370E-499F-B978-ABF387098974}" type="datetime1">
               <a:rPr lang="ko-KR" altLang="en-US" smtClean="0"/>
-              <a:t>2019-08-04</a:t>
+              <a:t>2019-10-11</a:t>
             </a:fld>
             <a:endParaRPr lang="ko-KR" altLang="en-US" dirty="0"/>
           </a:p>
@@ -5222,10 +5224,10 @@
       </p:sp>
       <p:pic>
         <p:nvPicPr>
-          <p:cNvPr id="2" name="그림 1">
+          <p:cNvPr id="4" name="그림 3">
             <a:extLst>
               <a:ext uri="{FF2B5EF4-FFF2-40B4-BE49-F238E27FC236}">
-                <a16:creationId xmlns:a16="http://schemas.microsoft.com/office/drawing/2014/main" id="{7CBDB70B-ED82-4992-8959-F991D842F2F6}"/>
+                <a16:creationId xmlns:a16="http://schemas.microsoft.com/office/drawing/2014/main" id="{3D1D3AC6-7B8B-42D6-A17C-DE0FDFAB23A9}"/>
               </a:ext>
             </a:extLst>
           </p:cNvPr>
@@ -5242,8 +5244,8 @@
         </p:blipFill>
         <p:spPr>
           <a:xfrm>
-            <a:off x="2713037" y="1878013"/>
-            <a:ext cx="6734175" cy="4962525"/>
+            <a:off x="2984500" y="2125570"/>
+            <a:ext cx="6191250" cy="4429125"/>
           </a:xfrm>
           <a:prstGeom prst="rect">
             <a:avLst/>
@@ -5365,10 +5367,10 @@
       </p:sp>
       <p:pic>
         <p:nvPicPr>
-          <p:cNvPr id="2" name="그림 1">
+          <p:cNvPr id="4" name="그림 3">
             <a:extLst>
               <a:ext uri="{FF2B5EF4-FFF2-40B4-BE49-F238E27FC236}">
-                <a16:creationId xmlns:a16="http://schemas.microsoft.com/office/drawing/2014/main" id="{1069CE05-2760-4A69-BD77-41AEAF2DD6A9}"/>
+                <a16:creationId xmlns:a16="http://schemas.microsoft.com/office/drawing/2014/main" id="{EEB19D04-4ADF-449F-BE3D-C433C75CE039}"/>
               </a:ext>
             </a:extLst>
           </p:cNvPr>
@@ -5385,8 +5387,8 @@
         </p:blipFill>
         <p:spPr>
           <a:xfrm>
-            <a:off x="2441575" y="2052117"/>
-            <a:ext cx="7277100" cy="4391025"/>
+            <a:off x="2574925" y="2106520"/>
+            <a:ext cx="7010400" cy="4448175"/>
           </a:xfrm>
           <a:prstGeom prst="rect">
             <a:avLst/>
@@ -5771,10 +5773,10 @@
       </p:sp>
       <p:pic>
         <p:nvPicPr>
-          <p:cNvPr id="2" name="그림 1">
+          <p:cNvPr id="4" name="그림 3">
             <a:extLst>
               <a:ext uri="{FF2B5EF4-FFF2-40B4-BE49-F238E27FC236}">
-                <a16:creationId xmlns:a16="http://schemas.microsoft.com/office/drawing/2014/main" id="{230F8224-6C06-496B-9E8F-AD9E882F5E31}"/>
+                <a16:creationId xmlns:a16="http://schemas.microsoft.com/office/drawing/2014/main" id="{2135FAD3-ED65-428C-B0CE-5EC88F345A2B}"/>
               </a:ext>
             </a:extLst>
           </p:cNvPr>
@@ -5791,8 +5793,8 @@
         </p:blipFill>
         <p:spPr>
           <a:xfrm>
-            <a:off x="1889125" y="2055208"/>
-            <a:ext cx="8382000" cy="4486275"/>
+            <a:off x="2074862" y="1996422"/>
+            <a:ext cx="8010525" cy="4591050"/>
           </a:xfrm>
           <a:prstGeom prst="rect">
             <a:avLst/>
@@ -5917,7 +5919,7 @@
           <p:cNvPr id="4" name="그림 3">
             <a:extLst>
               <a:ext uri="{FF2B5EF4-FFF2-40B4-BE49-F238E27FC236}">
-                <a16:creationId xmlns:a16="http://schemas.microsoft.com/office/drawing/2014/main" id="{167542AE-0308-4B8E-A51F-D4047D23E039}"/>
+                <a16:creationId xmlns:a16="http://schemas.microsoft.com/office/drawing/2014/main" id="{F9ED9DF5-E9F7-4DD5-8684-2C1A084A6110}"/>
               </a:ext>
             </a:extLst>
           </p:cNvPr>
@@ -5934,8 +5936,8 @@
         </p:blipFill>
         <p:spPr>
           <a:xfrm>
-            <a:off x="3246437" y="2234406"/>
-            <a:ext cx="5667375" cy="2371725"/>
+            <a:off x="2274887" y="2412157"/>
+            <a:ext cx="7610475" cy="3533775"/>
           </a:xfrm>
           <a:prstGeom prst="rect">
             <a:avLst/>
@@ -5945,7 +5947,7 @@
     </p:spTree>
     <p:extLst>
       <p:ext uri="{BB962C8B-B14F-4D97-AF65-F5344CB8AC3E}">
-        <p14:creationId xmlns:p14="http://schemas.microsoft.com/office/powerpoint/2010/main" val="3345366274"/>
+        <p14:creationId xmlns:p14="http://schemas.microsoft.com/office/powerpoint/2010/main" val="1711198222"/>
       </p:ext>
     </p:extLst>
   </p:cSld>
@@ -5974,6 +5976,65 @@
       </p:grpSpPr>
       <p:sp>
         <p:nvSpPr>
+          <p:cNvPr id="5" name="제목 4"/>
+          <p:cNvSpPr>
+            <a:spLocks noGrp="1"/>
+          </p:cNvSpPr>
+          <p:nvPr>
+            <p:ph type="title"/>
+          </p:nvPr>
+        </p:nvSpPr>
+        <p:spPr>
+          <a:xfrm>
+            <a:off x="608016" y="551987"/>
+            <a:ext cx="10944225" cy="1140090"/>
+          </a:xfrm>
+        </p:spPr>
+        <p:txBody>
+          <a:bodyPr>
+            <a:noAutofit/>
+          </a:bodyPr>
+          <a:lstStyle/>
+          <a:p>
+            <a:pPr algn="l"/>
+            <a:r>
+              <a:rPr lang="en-US" altLang="ko-KR" sz="4400" dirty="0">
+                <a:solidFill>
+                  <a:schemeClr val="tx1">
+                    <a:lumMod val="75000"/>
+                    <a:lumOff val="25000"/>
+                  </a:schemeClr>
+                </a:solidFill>
+                <a:latin typeface="Noto Sans CJK KR Black" pitchFamily="34" charset="-127"/>
+                <a:ea typeface="Noto Sans CJK KR Black" pitchFamily="34" charset="-127"/>
+              </a:rPr>
+              <a:t>3. </a:t>
+            </a:r>
+            <a:r>
+              <a:rPr lang="ko-KR" altLang="en-US" sz="4400" dirty="0"/>
+              <a:t>분석 단계별 의사결정을 위한 수학</a:t>
+            </a:r>
+            <a:r>
+              <a:rPr lang="en-US" altLang="ko-KR" sz="4400" dirty="0"/>
+              <a:t>/</a:t>
+            </a:r>
+            <a:r>
+              <a:rPr lang="ko-KR" altLang="en-US" sz="4400" dirty="0"/>
+              <a:t>통계적 언어를 이해하기</a:t>
+            </a:r>
+            <a:endParaRPr lang="ko-KR" altLang="en-US" sz="4400" dirty="0">
+              <a:solidFill>
+                <a:schemeClr val="tx1">
+                  <a:lumMod val="75000"/>
+                  <a:lumOff val="25000"/>
+                </a:schemeClr>
+              </a:solidFill>
+            </a:endParaRPr>
+          </a:p>
+        </p:txBody>
+      </p:sp>
+      <p:sp>
+        <p:nvSpPr>
           <p:cNvPr id="3" name="슬라이드 번호 개체 틀 2"/>
           <p:cNvSpPr>
             <a:spLocks noGrp="1"/>
@@ -6001,7 +6062,7 @@
           <p:cNvPr id="2" name="그림 1">
             <a:extLst>
               <a:ext uri="{FF2B5EF4-FFF2-40B4-BE49-F238E27FC236}">
-                <a16:creationId xmlns:a16="http://schemas.microsoft.com/office/drawing/2014/main" id="{8778CC4F-00F6-43F4-B1D4-13514AB8754C}"/>
+                <a16:creationId xmlns:a16="http://schemas.microsoft.com/office/drawing/2014/main" id="{92FD68C0-78B4-41C8-BB2D-87A60F3CFC45}"/>
               </a:ext>
             </a:extLst>
           </p:cNvPr>
@@ -6018,105 +6079,18 @@
         </p:blipFill>
         <p:spPr>
           <a:xfrm>
-            <a:off x="3678258" y="48419"/>
-            <a:ext cx="8458200" cy="6743700"/>
+            <a:off x="2119685" y="1839913"/>
+            <a:ext cx="7677150" cy="5000625"/>
           </a:xfrm>
           <a:prstGeom prst="rect">
             <a:avLst/>
           </a:prstGeom>
         </p:spPr>
       </p:pic>
-      <p:sp>
-        <p:nvSpPr>
-          <p:cNvPr id="5" name="제목 4"/>
-          <p:cNvSpPr>
-            <a:spLocks noGrp="1"/>
-          </p:cNvSpPr>
-          <p:nvPr>
-            <p:ph type="title"/>
-          </p:nvPr>
-        </p:nvSpPr>
-        <p:spPr>
-          <a:xfrm>
-            <a:off x="608016" y="551987"/>
-            <a:ext cx="10944225" cy="2868282"/>
-          </a:xfrm>
-        </p:spPr>
-        <p:txBody>
-          <a:bodyPr>
-            <a:noAutofit/>
-          </a:bodyPr>
-          <a:lstStyle/>
-          <a:p>
-            <a:pPr algn="l"/>
-            <a:r>
-              <a:rPr lang="en-US" altLang="ko-KR" sz="3200" dirty="0">
-                <a:solidFill>
-                  <a:schemeClr val="tx1">
-                    <a:lumMod val="75000"/>
-                    <a:lumOff val="25000"/>
-                  </a:schemeClr>
-                </a:solidFill>
-                <a:latin typeface="Noto Sans CJK KR Black" pitchFamily="34" charset="-127"/>
-                <a:ea typeface="Noto Sans CJK KR Black" pitchFamily="34" charset="-127"/>
-              </a:rPr>
-              <a:t>3. </a:t>
-            </a:r>
-            <a:r>
-              <a:rPr lang="ko-KR" altLang="en-US" sz="3200" dirty="0"/>
-              <a:t>분석 단계별 </a:t>
-            </a:r>
-            <a:br>
-              <a:rPr lang="en-US" altLang="ko-KR" sz="3200" dirty="0"/>
-            </a:br>
-            <a:r>
-              <a:rPr lang="ko-KR" altLang="en-US" sz="3200" dirty="0"/>
-              <a:t>의사결정을 위한 </a:t>
-            </a:r>
-            <a:br>
-              <a:rPr lang="en-US" altLang="ko-KR" sz="3200" dirty="0"/>
-            </a:br>
-            <a:r>
-              <a:rPr lang="ko-KR" altLang="en-US" sz="3200" dirty="0"/>
-              <a:t>수학</a:t>
-            </a:r>
-            <a:r>
-              <a:rPr lang="en-US" altLang="ko-KR" sz="3200" dirty="0"/>
-              <a:t>/</a:t>
-            </a:r>
-            <a:r>
-              <a:rPr lang="ko-KR" altLang="en-US" sz="3200" dirty="0"/>
-              <a:t>통계적 </a:t>
-            </a:r>
-            <a:br>
-              <a:rPr lang="en-US" altLang="ko-KR" sz="3200" dirty="0"/>
-            </a:br>
-            <a:r>
-              <a:rPr lang="ko-KR" altLang="en-US" sz="3200" dirty="0"/>
-              <a:t>언어를 </a:t>
-            </a:r>
-            <a:br>
-              <a:rPr lang="en-US" altLang="ko-KR" sz="3200" dirty="0"/>
-            </a:br>
-            <a:r>
-              <a:rPr lang="ko-KR" altLang="en-US" sz="3200" dirty="0"/>
-              <a:t>이해하기</a:t>
-            </a:r>
-            <a:endParaRPr lang="ko-KR" altLang="en-US" sz="3200" dirty="0">
-              <a:solidFill>
-                <a:schemeClr val="tx1">
-                  <a:lumMod val="75000"/>
-                  <a:lumOff val="25000"/>
-                </a:schemeClr>
-              </a:solidFill>
-            </a:endParaRPr>
-          </a:p>
-        </p:txBody>
-      </p:sp>
     </p:spTree>
     <p:extLst>
       <p:ext uri="{BB962C8B-B14F-4D97-AF65-F5344CB8AC3E}">
-        <p14:creationId xmlns:p14="http://schemas.microsoft.com/office/powerpoint/2010/main" val="2040361478"/>
+        <p14:creationId xmlns:p14="http://schemas.microsoft.com/office/powerpoint/2010/main" val="1478848651"/>
       </p:ext>
     </p:extLst>
   </p:cSld>
@@ -6231,7 +6205,7 @@
           <p:cNvPr id="2" name="그림 1">
             <a:extLst>
               <a:ext uri="{FF2B5EF4-FFF2-40B4-BE49-F238E27FC236}">
-                <a16:creationId xmlns:a16="http://schemas.microsoft.com/office/drawing/2014/main" id="{3843F7E3-8481-4406-93BB-9E68307A8FE7}"/>
+                <a16:creationId xmlns:a16="http://schemas.microsoft.com/office/drawing/2014/main" id="{5FC7A9BD-E428-4284-9A3E-185585B62688}"/>
               </a:ext>
             </a:extLst>
           </p:cNvPr>
@@ -6248,8 +6222,8 @@
         </p:blipFill>
         <p:spPr>
           <a:xfrm>
-            <a:off x="1593850" y="2189250"/>
-            <a:ext cx="8972550" cy="3686175"/>
+            <a:off x="2232025" y="2646450"/>
+            <a:ext cx="7696200" cy="2771775"/>
           </a:xfrm>
           <a:prstGeom prst="rect">
             <a:avLst/>
@@ -6259,7 +6233,7 @@
     </p:spTree>
     <p:extLst>
       <p:ext uri="{BB962C8B-B14F-4D97-AF65-F5344CB8AC3E}">
-        <p14:creationId xmlns:p14="http://schemas.microsoft.com/office/powerpoint/2010/main" val="1681465017"/>
+        <p14:creationId xmlns:p14="http://schemas.microsoft.com/office/powerpoint/2010/main" val="3345366274"/>
       </p:ext>
     </p:extLst>
   </p:cSld>
@@ -6288,65 +6262,6 @@
       </p:grpSpPr>
       <p:sp>
         <p:nvSpPr>
-          <p:cNvPr id="5" name="제목 4"/>
-          <p:cNvSpPr>
-            <a:spLocks noGrp="1"/>
-          </p:cNvSpPr>
-          <p:nvPr>
-            <p:ph type="title"/>
-          </p:nvPr>
-        </p:nvSpPr>
-        <p:spPr>
-          <a:xfrm>
-            <a:off x="608016" y="551987"/>
-            <a:ext cx="10944225" cy="1140090"/>
-          </a:xfrm>
-        </p:spPr>
-        <p:txBody>
-          <a:bodyPr>
-            <a:noAutofit/>
-          </a:bodyPr>
-          <a:lstStyle/>
-          <a:p>
-            <a:pPr algn="l"/>
-            <a:r>
-              <a:rPr lang="en-US" altLang="ko-KR" sz="4400" dirty="0">
-                <a:solidFill>
-                  <a:schemeClr val="tx1">
-                    <a:lumMod val="75000"/>
-                    <a:lumOff val="25000"/>
-                  </a:schemeClr>
-                </a:solidFill>
-                <a:latin typeface="Noto Sans CJK KR Black" pitchFamily="34" charset="-127"/>
-                <a:ea typeface="Noto Sans CJK KR Black" pitchFamily="34" charset="-127"/>
-              </a:rPr>
-              <a:t>3. </a:t>
-            </a:r>
-            <a:r>
-              <a:rPr lang="ko-KR" altLang="en-US" sz="4400" dirty="0"/>
-              <a:t>분석 단계별 의사결정을 위한 수학</a:t>
-            </a:r>
-            <a:r>
-              <a:rPr lang="en-US" altLang="ko-KR" sz="4400" dirty="0"/>
-              <a:t>/</a:t>
-            </a:r>
-            <a:r>
-              <a:rPr lang="ko-KR" altLang="en-US" sz="4400" dirty="0"/>
-              <a:t>통계적 언어를 이해하기</a:t>
-            </a:r>
-            <a:endParaRPr lang="ko-KR" altLang="en-US" sz="4400" dirty="0">
-              <a:solidFill>
-                <a:schemeClr val="tx1">
-                  <a:lumMod val="75000"/>
-                  <a:lumOff val="25000"/>
-                </a:schemeClr>
-              </a:solidFill>
-            </a:endParaRPr>
-          </a:p>
-        </p:txBody>
-      </p:sp>
-      <p:sp>
-        <p:nvSpPr>
           <p:cNvPr id="3" name="슬라이드 번호 개체 틀 2"/>
           <p:cNvSpPr>
             <a:spLocks noGrp="1"/>
@@ -6374,7 +6289,7 @@
           <p:cNvPr id="2" name="그림 1">
             <a:extLst>
               <a:ext uri="{FF2B5EF4-FFF2-40B4-BE49-F238E27FC236}">
-                <a16:creationId xmlns:a16="http://schemas.microsoft.com/office/drawing/2014/main" id="{D5B8B0F1-E241-49F5-839D-7599A3981F84}"/>
+                <a16:creationId xmlns:a16="http://schemas.microsoft.com/office/drawing/2014/main" id="{8778CC4F-00F6-43F4-B1D4-13514AB8754C}"/>
               </a:ext>
             </a:extLst>
           </p:cNvPr>
@@ -6391,18 +6306,105 @@
         </p:blipFill>
         <p:spPr>
           <a:xfrm>
-            <a:off x="1555764" y="2441662"/>
-            <a:ext cx="9039225" cy="3181350"/>
+            <a:off x="3678258" y="48419"/>
+            <a:ext cx="8458200" cy="6743700"/>
           </a:xfrm>
           <a:prstGeom prst="rect">
             <a:avLst/>
           </a:prstGeom>
         </p:spPr>
       </p:pic>
+      <p:sp>
+        <p:nvSpPr>
+          <p:cNvPr id="5" name="제목 4"/>
+          <p:cNvSpPr>
+            <a:spLocks noGrp="1"/>
+          </p:cNvSpPr>
+          <p:nvPr>
+            <p:ph type="title"/>
+          </p:nvPr>
+        </p:nvSpPr>
+        <p:spPr>
+          <a:xfrm>
+            <a:off x="608016" y="551987"/>
+            <a:ext cx="10944225" cy="2868282"/>
+          </a:xfrm>
+        </p:spPr>
+        <p:txBody>
+          <a:bodyPr>
+            <a:noAutofit/>
+          </a:bodyPr>
+          <a:lstStyle/>
+          <a:p>
+            <a:pPr algn="l"/>
+            <a:r>
+              <a:rPr lang="en-US" altLang="ko-KR" sz="3200" dirty="0">
+                <a:solidFill>
+                  <a:schemeClr val="tx1">
+                    <a:lumMod val="75000"/>
+                    <a:lumOff val="25000"/>
+                  </a:schemeClr>
+                </a:solidFill>
+                <a:latin typeface="Noto Sans CJK KR Black" pitchFamily="34" charset="-127"/>
+                <a:ea typeface="Noto Sans CJK KR Black" pitchFamily="34" charset="-127"/>
+              </a:rPr>
+              <a:t>3. </a:t>
+            </a:r>
+            <a:r>
+              <a:rPr lang="ko-KR" altLang="en-US" sz="3200" dirty="0"/>
+              <a:t>분석 단계별 </a:t>
+            </a:r>
+            <a:br>
+              <a:rPr lang="en-US" altLang="ko-KR" sz="3200" dirty="0"/>
+            </a:br>
+            <a:r>
+              <a:rPr lang="ko-KR" altLang="en-US" sz="3200" dirty="0"/>
+              <a:t>의사결정을 위한 </a:t>
+            </a:r>
+            <a:br>
+              <a:rPr lang="en-US" altLang="ko-KR" sz="3200" dirty="0"/>
+            </a:br>
+            <a:r>
+              <a:rPr lang="ko-KR" altLang="en-US" sz="3200" dirty="0"/>
+              <a:t>수학</a:t>
+            </a:r>
+            <a:r>
+              <a:rPr lang="en-US" altLang="ko-KR" sz="3200" dirty="0"/>
+              <a:t>/</a:t>
+            </a:r>
+            <a:r>
+              <a:rPr lang="ko-KR" altLang="en-US" sz="3200" dirty="0"/>
+              <a:t>통계적 </a:t>
+            </a:r>
+            <a:br>
+              <a:rPr lang="en-US" altLang="ko-KR" sz="3200" dirty="0"/>
+            </a:br>
+            <a:r>
+              <a:rPr lang="ko-KR" altLang="en-US" sz="3200" dirty="0"/>
+              <a:t>언어를 </a:t>
+            </a:r>
+            <a:br>
+              <a:rPr lang="en-US" altLang="ko-KR" sz="3200" dirty="0"/>
+            </a:br>
+            <a:r>
+              <a:rPr lang="ko-KR" altLang="en-US" sz="3200" dirty="0"/>
+              <a:t>이해하기</a:t>
+            </a:r>
+            <a:endParaRPr lang="ko-KR" altLang="en-US" sz="3200" dirty="0">
+              <a:solidFill>
+                <a:schemeClr val="tx1">
+                  <a:lumMod val="75000"/>
+                  <a:lumOff val="25000"/>
+                </a:schemeClr>
+              </a:solidFill>
+            </a:endParaRPr>
+          </a:p>
+        </p:txBody>
+      </p:sp>
     </p:spTree>
     <p:extLst>
       <p:ext uri="{BB962C8B-B14F-4D97-AF65-F5344CB8AC3E}">
-        <p14:creationId xmlns:p14="http://schemas.microsoft.com/office/powerpoint/2010/main" val="1241142410"/>
+        <p14:creationId xmlns:p14="http://schemas.microsoft.com/office/powerpoint/2010/main" val="2040361478"/>
       </p:ext>
     </p:extLst>
   </p:cSld>
@@ -6517,7 +6519,7 @@
           <p:cNvPr id="2" name="그림 1">
             <a:extLst>
               <a:ext uri="{FF2B5EF4-FFF2-40B4-BE49-F238E27FC236}">
-                <a16:creationId xmlns:a16="http://schemas.microsoft.com/office/drawing/2014/main" id="{383C6716-A341-4F37-A05B-8175736A3ACB}"/>
+                <a16:creationId xmlns:a16="http://schemas.microsoft.com/office/drawing/2014/main" id="{3843F7E3-8481-4406-93BB-9E68307A8FE7}"/>
               </a:ext>
             </a:extLst>
           </p:cNvPr>
@@ -6534,8 +6536,8 @@
         </p:blipFill>
         <p:spPr>
           <a:xfrm>
-            <a:off x="1751012" y="1925545"/>
-            <a:ext cx="8658225" cy="4629150"/>
+            <a:off x="1593850" y="2189250"/>
+            <a:ext cx="8972550" cy="3686175"/>
           </a:xfrm>
           <a:prstGeom prst="rect">
             <a:avLst/>
@@ -6545,7 +6547,7 @@
     </p:spTree>
     <p:extLst>
       <p:ext uri="{BB962C8B-B14F-4D97-AF65-F5344CB8AC3E}">
-        <p14:creationId xmlns:p14="http://schemas.microsoft.com/office/powerpoint/2010/main" val="1220472439"/>
+        <p14:creationId xmlns:p14="http://schemas.microsoft.com/office/powerpoint/2010/main" val="1681465017"/>
       </p:ext>
     </p:extLst>
   </p:cSld>
@@ -6660,7 +6662,7 @@
           <p:cNvPr id="2" name="그림 1">
             <a:extLst>
               <a:ext uri="{FF2B5EF4-FFF2-40B4-BE49-F238E27FC236}">
-                <a16:creationId xmlns:a16="http://schemas.microsoft.com/office/drawing/2014/main" id="{24FDBD26-5306-4B8B-9E99-265DAF626043}"/>
+                <a16:creationId xmlns:a16="http://schemas.microsoft.com/office/drawing/2014/main" id="{D5B8B0F1-E241-49F5-839D-7599A3981F84}"/>
               </a:ext>
             </a:extLst>
           </p:cNvPr>
@@ -6677,8 +6679,8 @@
         </p:blipFill>
         <p:spPr>
           <a:xfrm>
-            <a:off x="1755775" y="2336919"/>
-            <a:ext cx="8648700" cy="3419475"/>
+            <a:off x="1555764" y="2441662"/>
+            <a:ext cx="9039225" cy="3181350"/>
           </a:xfrm>
           <a:prstGeom prst="rect">
             <a:avLst/>
@@ -6688,7 +6690,7 @@
     </p:spTree>
     <p:extLst>
       <p:ext uri="{BB962C8B-B14F-4D97-AF65-F5344CB8AC3E}">
-        <p14:creationId xmlns:p14="http://schemas.microsoft.com/office/powerpoint/2010/main" val="3871071999"/>
+        <p14:creationId xmlns:p14="http://schemas.microsoft.com/office/powerpoint/2010/main" val="1241142410"/>
       </p:ext>
     </p:extLst>
   </p:cSld>
@@ -6803,7 +6805,7 @@
           <p:cNvPr id="2" name="그림 1">
             <a:extLst>
               <a:ext uri="{FF2B5EF4-FFF2-40B4-BE49-F238E27FC236}">
-                <a16:creationId xmlns:a16="http://schemas.microsoft.com/office/drawing/2014/main" id="{6AECCC48-CA89-4376-813C-E61DDDE183B7}"/>
+                <a16:creationId xmlns:a16="http://schemas.microsoft.com/office/drawing/2014/main" id="{383C6716-A341-4F37-A05B-8175736A3ACB}"/>
               </a:ext>
             </a:extLst>
           </p:cNvPr>
@@ -6820,8 +6822,8 @@
         </p:blipFill>
         <p:spPr>
           <a:xfrm>
-            <a:off x="1874837" y="2048248"/>
-            <a:ext cx="8410575" cy="4324350"/>
+            <a:off x="1751012" y="1925545"/>
+            <a:ext cx="8658225" cy="4629150"/>
           </a:xfrm>
           <a:prstGeom prst="rect">
             <a:avLst/>
@@ -6831,7 +6833,7 @@
     </p:spTree>
     <p:extLst>
       <p:ext uri="{BB962C8B-B14F-4D97-AF65-F5344CB8AC3E}">
-        <p14:creationId xmlns:p14="http://schemas.microsoft.com/office/powerpoint/2010/main" val="2284091182"/>
+        <p14:creationId xmlns:p14="http://schemas.microsoft.com/office/powerpoint/2010/main" val="1220472439"/>
       </p:ext>
     </p:extLst>
   </p:cSld>
@@ -6871,7 +6873,7 @@
         <p:spPr>
           <a:xfrm>
             <a:off x="608016" y="551987"/>
-            <a:ext cx="10944225" cy="2148202"/>
+            <a:ext cx="10944225" cy="1140090"/>
           </a:xfrm>
         </p:spPr>
         <p:txBody>
@@ -6882,7 +6884,7 @@
           <a:p>
             <a:pPr algn="l"/>
             <a:r>
-              <a:rPr lang="en-US" altLang="ko-KR" sz="3200" dirty="0">
+              <a:rPr lang="en-US" altLang="ko-KR" sz="4400" dirty="0">
                 <a:solidFill>
                   <a:schemeClr val="tx1">
                     <a:lumMod val="75000"/>
@@ -6895,39 +6897,18 @@
               <a:t>3. </a:t>
             </a:r>
             <a:r>
-              <a:rPr lang="ko-KR" altLang="en-US" sz="3200" dirty="0"/>
-              <a:t>분석 단계별 </a:t>
-            </a:r>
-            <a:br>
-              <a:rPr lang="en-US" altLang="ko-KR" sz="3200" dirty="0"/>
-            </a:br>
-            <a:r>
-              <a:rPr lang="ko-KR" altLang="en-US" sz="3200" dirty="0"/>
-              <a:t>의사결정을 위한 </a:t>
-            </a:r>
-            <a:br>
-              <a:rPr lang="en-US" altLang="ko-KR" sz="3200" dirty="0"/>
-            </a:br>
-            <a:r>
-              <a:rPr lang="ko-KR" altLang="en-US" sz="3200" dirty="0"/>
-              <a:t>수학</a:t>
-            </a:r>
-            <a:r>
-              <a:rPr lang="en-US" altLang="ko-KR" sz="3200" dirty="0"/>
+              <a:rPr lang="ko-KR" altLang="en-US" sz="4400" dirty="0"/>
+              <a:t>분석 단계별 의사결정을 위한 수학</a:t>
+            </a:r>
+            <a:r>
+              <a:rPr lang="en-US" altLang="ko-KR" sz="4400" dirty="0"/>
               <a:t>/</a:t>
             </a:r>
             <a:r>
-              <a:rPr lang="ko-KR" altLang="en-US" sz="3200" dirty="0"/>
-              <a:t>통계적 </a:t>
-            </a:r>
-            <a:br>
-              <a:rPr lang="en-US" altLang="ko-KR" sz="3200" dirty="0"/>
-            </a:br>
-            <a:r>
-              <a:rPr lang="ko-KR" altLang="en-US" sz="3200" dirty="0"/>
-              <a:t>언어를 이해하기</a:t>
-            </a:r>
-            <a:endParaRPr lang="ko-KR" altLang="en-US" sz="3200" dirty="0">
+              <a:rPr lang="ko-KR" altLang="en-US" sz="4400" dirty="0"/>
+              <a:t>통계적 언어를 이해하기</a:t>
+            </a:r>
+            <a:endParaRPr lang="ko-KR" altLang="en-US" sz="4400" dirty="0">
               <a:solidFill>
                 <a:schemeClr val="tx1">
                   <a:lumMod val="75000"/>
@@ -6967,7 +6948,7 @@
           <p:cNvPr id="2" name="그림 1">
             <a:extLst>
               <a:ext uri="{FF2B5EF4-FFF2-40B4-BE49-F238E27FC236}">
-                <a16:creationId xmlns:a16="http://schemas.microsoft.com/office/drawing/2014/main" id="{FDA22192-03BD-48EA-A938-A438DC66B66E}"/>
+                <a16:creationId xmlns:a16="http://schemas.microsoft.com/office/drawing/2014/main" id="{24FDBD26-5306-4B8B-9E99-265DAF626043}"/>
               </a:ext>
             </a:extLst>
           </p:cNvPr>
@@ -6984,8 +6965,8 @@
         </p:blipFill>
         <p:spPr>
           <a:xfrm>
-            <a:off x="3884049" y="849869"/>
-            <a:ext cx="8114022" cy="5438682"/>
+            <a:off x="1755775" y="2336919"/>
+            <a:ext cx="8648700" cy="3419475"/>
           </a:xfrm>
           <a:prstGeom prst="rect">
             <a:avLst/>
@@ -6995,7 +6976,7 @@
     </p:spTree>
     <p:extLst>
       <p:ext uri="{BB962C8B-B14F-4D97-AF65-F5344CB8AC3E}">
-        <p14:creationId xmlns:p14="http://schemas.microsoft.com/office/powerpoint/2010/main" val="3982900"/>
+        <p14:creationId xmlns:p14="http://schemas.microsoft.com/office/powerpoint/2010/main" val="3871071999"/>
       </p:ext>
     </p:extLst>
   </p:cSld>
@@ -7110,7 +7091,7 @@
           <p:cNvPr id="2" name="그림 1">
             <a:extLst>
               <a:ext uri="{FF2B5EF4-FFF2-40B4-BE49-F238E27FC236}">
-                <a16:creationId xmlns:a16="http://schemas.microsoft.com/office/drawing/2014/main" id="{06CDDE88-85C8-4F4F-94C1-E37549B45EA6}"/>
+                <a16:creationId xmlns:a16="http://schemas.microsoft.com/office/drawing/2014/main" id="{6AECCC48-CA89-4376-813C-E61DDDE183B7}"/>
               </a:ext>
             </a:extLst>
           </p:cNvPr>
@@ -7127,8 +7108,8 @@
         </p:blipFill>
         <p:spPr>
           <a:xfrm>
-            <a:off x="1179512" y="2268141"/>
-            <a:ext cx="9801225" cy="3886200"/>
+            <a:off x="1874837" y="2048248"/>
+            <a:ext cx="8410575" cy="4324350"/>
           </a:xfrm>
           <a:prstGeom prst="rect">
             <a:avLst/>
@@ -7138,7 +7119,7 @@
     </p:spTree>
     <p:extLst>
       <p:ext uri="{BB962C8B-B14F-4D97-AF65-F5344CB8AC3E}">
-        <p14:creationId xmlns:p14="http://schemas.microsoft.com/office/powerpoint/2010/main" val="304699420"/>
+        <p14:creationId xmlns:p14="http://schemas.microsoft.com/office/powerpoint/2010/main" val="2284091182"/>
       </p:ext>
     </p:extLst>
   </p:cSld>
@@ -7262,7 +7243,7 @@
         <p:spPr>
           <a:xfrm>
             <a:off x="608016" y="551987"/>
-            <a:ext cx="10944225" cy="2724266"/>
+            <a:ext cx="10944225" cy="2148202"/>
           </a:xfrm>
         </p:spPr>
         <p:txBody>
@@ -7273,7 +7254,7 @@
           <a:p>
             <a:pPr algn="l"/>
             <a:r>
-              <a:rPr lang="en-US" altLang="ko-KR" sz="4400" dirty="0">
+              <a:rPr lang="en-US" altLang="ko-KR" sz="3200" dirty="0">
                 <a:solidFill>
                   <a:schemeClr val="tx1">
                     <a:lumMod val="75000"/>
@@ -7286,39 +7267,39 @@
               <a:t>3. </a:t>
             </a:r>
             <a:r>
-              <a:rPr lang="ko-KR" altLang="en-US" sz="4400" dirty="0"/>
+              <a:rPr lang="ko-KR" altLang="en-US" sz="3200" dirty="0"/>
               <a:t>분석 단계별 </a:t>
             </a:r>
             <a:br>
-              <a:rPr lang="en-US" altLang="ko-KR" sz="4400" dirty="0"/>
+              <a:rPr lang="en-US" altLang="ko-KR" sz="3200" dirty="0"/>
             </a:br>
             <a:r>
-              <a:rPr lang="ko-KR" altLang="en-US" sz="4400" dirty="0"/>
+              <a:rPr lang="ko-KR" altLang="en-US" sz="3200" dirty="0"/>
               <a:t>의사결정을 위한 </a:t>
             </a:r>
             <a:br>
-              <a:rPr lang="en-US" altLang="ko-KR" sz="4400" dirty="0"/>
+              <a:rPr lang="en-US" altLang="ko-KR" sz="3200" dirty="0"/>
             </a:br>
             <a:r>
-              <a:rPr lang="ko-KR" altLang="en-US" sz="4400" dirty="0"/>
+              <a:rPr lang="ko-KR" altLang="en-US" sz="3200" dirty="0"/>
               <a:t>수학</a:t>
             </a:r>
             <a:r>
-              <a:rPr lang="en-US" altLang="ko-KR" sz="4400" dirty="0"/>
+              <a:rPr lang="en-US" altLang="ko-KR" sz="3200" dirty="0"/>
               <a:t>/</a:t>
             </a:r>
             <a:r>
-              <a:rPr lang="ko-KR" altLang="en-US" sz="4400" dirty="0"/>
+              <a:rPr lang="ko-KR" altLang="en-US" sz="3200" dirty="0"/>
               <a:t>통계적 </a:t>
             </a:r>
             <a:br>
-              <a:rPr lang="en-US" altLang="ko-KR" sz="4400" dirty="0"/>
+              <a:rPr lang="en-US" altLang="ko-KR" sz="3200" dirty="0"/>
             </a:br>
             <a:r>
-              <a:rPr lang="ko-KR" altLang="en-US" sz="4400" dirty="0"/>
+              <a:rPr lang="ko-KR" altLang="en-US" sz="3200" dirty="0"/>
               <a:t>언어를 이해하기</a:t>
             </a:r>
-            <a:endParaRPr lang="ko-KR" altLang="en-US" sz="4400" dirty="0">
+            <a:endParaRPr lang="ko-KR" altLang="en-US" sz="3200" dirty="0">
               <a:solidFill>
                 <a:schemeClr val="tx1">
                   <a:lumMod val="75000"/>
@@ -7358,7 +7339,7 @@
           <p:cNvPr id="2" name="그림 1">
             <a:extLst>
               <a:ext uri="{FF2B5EF4-FFF2-40B4-BE49-F238E27FC236}">
-                <a16:creationId xmlns:a16="http://schemas.microsoft.com/office/drawing/2014/main" id="{019BC649-AFD6-44AE-8995-84EF30E81913}"/>
+                <a16:creationId xmlns:a16="http://schemas.microsoft.com/office/drawing/2014/main" id="{FDA22192-03BD-48EA-A938-A438DC66B66E}"/>
               </a:ext>
             </a:extLst>
           </p:cNvPr>
@@ -7375,8 +7356,8 @@
         </p:blipFill>
         <p:spPr>
           <a:xfrm>
-            <a:off x="5720085" y="106363"/>
-            <a:ext cx="6048375" cy="6734175"/>
+            <a:off x="3884049" y="849869"/>
+            <a:ext cx="8114022" cy="5438682"/>
           </a:xfrm>
           <a:prstGeom prst="rect">
             <a:avLst/>
@@ -7386,7 +7367,7 @@
     </p:spTree>
     <p:extLst>
       <p:ext uri="{BB962C8B-B14F-4D97-AF65-F5344CB8AC3E}">
-        <p14:creationId xmlns:p14="http://schemas.microsoft.com/office/powerpoint/2010/main" val="1796393109"/>
+        <p14:creationId xmlns:p14="http://schemas.microsoft.com/office/powerpoint/2010/main" val="3982900"/>
       </p:ext>
     </p:extLst>
   </p:cSld>
@@ -7501,7 +7482,7 @@
           <p:cNvPr id="2" name="그림 1">
             <a:extLst>
               <a:ext uri="{FF2B5EF4-FFF2-40B4-BE49-F238E27FC236}">
-                <a16:creationId xmlns:a16="http://schemas.microsoft.com/office/drawing/2014/main" id="{5E1514D3-54FA-4197-AFF1-32C36AD3732C}"/>
+                <a16:creationId xmlns:a16="http://schemas.microsoft.com/office/drawing/2014/main" id="{06CDDE88-85C8-4F4F-94C1-E37549B45EA6}"/>
               </a:ext>
             </a:extLst>
           </p:cNvPr>
@@ -7518,8 +7499,8 @@
         </p:blipFill>
         <p:spPr>
           <a:xfrm>
-            <a:off x="774700" y="2410619"/>
-            <a:ext cx="10610850" cy="2019300"/>
+            <a:off x="1179512" y="2268141"/>
+            <a:ext cx="9801225" cy="3886200"/>
           </a:xfrm>
           <a:prstGeom prst="rect">
             <a:avLst/>
@@ -7529,7 +7510,7 @@
     </p:spTree>
     <p:extLst>
       <p:ext uri="{BB962C8B-B14F-4D97-AF65-F5344CB8AC3E}">
-        <p14:creationId xmlns:p14="http://schemas.microsoft.com/office/powerpoint/2010/main" val="2333160138"/>
+        <p14:creationId xmlns:p14="http://schemas.microsoft.com/office/powerpoint/2010/main" val="304699420"/>
       </p:ext>
     </p:extLst>
   </p:cSld>
@@ -7569,7 +7550,7 @@
         <p:spPr>
           <a:xfrm>
             <a:off x="608016" y="551987"/>
-            <a:ext cx="10944225" cy="1140090"/>
+            <a:ext cx="10944225" cy="2724266"/>
           </a:xfrm>
         </p:spPr>
         <p:txBody>
@@ -7594,7 +7575,21 @@
             </a:r>
             <a:r>
               <a:rPr lang="ko-KR" altLang="en-US" sz="4400" dirty="0"/>
-              <a:t>분석 단계별 의사결정을 위한 수학</a:t>
+              <a:t>분석 단계별 </a:t>
+            </a:r>
+            <a:br>
+              <a:rPr lang="en-US" altLang="ko-KR" sz="4400" dirty="0"/>
+            </a:br>
+            <a:r>
+              <a:rPr lang="ko-KR" altLang="en-US" sz="4400" dirty="0"/>
+              <a:t>의사결정을 위한 </a:t>
+            </a:r>
+            <a:br>
+              <a:rPr lang="en-US" altLang="ko-KR" sz="4400" dirty="0"/>
+            </a:br>
+            <a:r>
+              <a:rPr lang="ko-KR" altLang="en-US" sz="4400" dirty="0"/>
+              <a:t>수학</a:t>
             </a:r>
             <a:r>
               <a:rPr lang="en-US" altLang="ko-KR" sz="4400" dirty="0"/>
@@ -7602,7 +7597,14 @@
             </a:r>
             <a:r>
               <a:rPr lang="ko-KR" altLang="en-US" sz="4400" dirty="0"/>
-              <a:t>통계적 언어를 이해하기</a:t>
+              <a:t>통계적 </a:t>
+            </a:r>
+            <a:br>
+              <a:rPr lang="en-US" altLang="ko-KR" sz="4400" dirty="0"/>
+            </a:br>
+            <a:r>
+              <a:rPr lang="ko-KR" altLang="en-US" sz="4400" dirty="0"/>
+              <a:t>언어를 이해하기</a:t>
             </a:r>
             <a:endParaRPr lang="ko-KR" altLang="en-US" sz="4400" dirty="0">
               <a:solidFill>
@@ -7644,7 +7646,7 @@
           <p:cNvPr id="2" name="그림 1">
             <a:extLst>
               <a:ext uri="{FF2B5EF4-FFF2-40B4-BE49-F238E27FC236}">
-                <a16:creationId xmlns:a16="http://schemas.microsoft.com/office/drawing/2014/main" id="{8BE61E85-6E04-4B2B-B637-A54CB202531F}"/>
+                <a16:creationId xmlns:a16="http://schemas.microsoft.com/office/drawing/2014/main" id="{019BC649-AFD6-44AE-8995-84EF30E81913}"/>
               </a:ext>
             </a:extLst>
           </p:cNvPr>
@@ -7661,8 +7663,8 @@
         </p:blipFill>
         <p:spPr>
           <a:xfrm>
-            <a:off x="1759645" y="1782763"/>
-            <a:ext cx="8448675" cy="5057775"/>
+            <a:off x="5720085" y="106363"/>
+            <a:ext cx="6048375" cy="6734175"/>
           </a:xfrm>
           <a:prstGeom prst="rect">
             <a:avLst/>
@@ -7672,7 +7674,7 @@
     </p:spTree>
     <p:extLst>
       <p:ext uri="{BB962C8B-B14F-4D97-AF65-F5344CB8AC3E}">
-        <p14:creationId xmlns:p14="http://schemas.microsoft.com/office/powerpoint/2010/main" val="3443183952"/>
+        <p14:creationId xmlns:p14="http://schemas.microsoft.com/office/powerpoint/2010/main" val="1796393109"/>
       </p:ext>
     </p:extLst>
   </p:cSld>
@@ -7712,7 +7714,7 @@
         <p:spPr>
           <a:xfrm>
             <a:off x="608016" y="551987"/>
-            <a:ext cx="10944225" cy="2724266"/>
+            <a:ext cx="10944225" cy="1140090"/>
           </a:xfrm>
         </p:spPr>
         <p:txBody>
@@ -7737,21 +7739,7 @@
             </a:r>
             <a:r>
               <a:rPr lang="ko-KR" altLang="en-US" sz="4400" dirty="0"/>
-              <a:t>분석 단계별 </a:t>
-            </a:r>
-            <a:br>
-              <a:rPr lang="en-US" altLang="ko-KR" sz="4400" dirty="0"/>
-            </a:br>
-            <a:r>
-              <a:rPr lang="ko-KR" altLang="en-US" sz="4400" dirty="0"/>
-              <a:t>의사결정을 위한 </a:t>
-            </a:r>
-            <a:br>
-              <a:rPr lang="en-US" altLang="ko-KR" sz="4400" dirty="0"/>
-            </a:br>
-            <a:r>
-              <a:rPr lang="ko-KR" altLang="en-US" sz="4400" dirty="0"/>
-              <a:t>수학</a:t>
+              <a:t>분석 단계별 의사결정을 위한 수학</a:t>
             </a:r>
             <a:r>
               <a:rPr lang="en-US" altLang="ko-KR" sz="4400" dirty="0"/>
@@ -7759,14 +7747,7 @@
             </a:r>
             <a:r>
               <a:rPr lang="ko-KR" altLang="en-US" sz="4400" dirty="0"/>
-              <a:t>통계적 언어를 </a:t>
-            </a:r>
-            <a:br>
-              <a:rPr lang="en-US" altLang="ko-KR" sz="4400" dirty="0"/>
-            </a:br>
-            <a:r>
-              <a:rPr lang="ko-KR" altLang="en-US" sz="4400" dirty="0"/>
-              <a:t>이해하기</a:t>
+              <a:t>통계적 언어를 이해하기</a:t>
             </a:r>
             <a:endParaRPr lang="ko-KR" altLang="en-US" sz="4400" dirty="0">
               <a:solidFill>
@@ -7805,10 +7786,10 @@
       </p:sp>
       <p:pic>
         <p:nvPicPr>
-          <p:cNvPr id="4" name="그림 3">
+          <p:cNvPr id="2" name="그림 1">
             <a:extLst>
               <a:ext uri="{FF2B5EF4-FFF2-40B4-BE49-F238E27FC236}">
-                <a16:creationId xmlns:a16="http://schemas.microsoft.com/office/drawing/2014/main" id="{C5547C04-F8EB-43D4-8168-8F32406DB805}"/>
+                <a16:creationId xmlns:a16="http://schemas.microsoft.com/office/drawing/2014/main" id="{5E1514D3-54FA-4197-AFF1-32C36AD3732C}"/>
               </a:ext>
             </a:extLst>
           </p:cNvPr>
@@ -7825,8 +7806,8 @@
         </p:blipFill>
         <p:spPr>
           <a:xfrm>
-            <a:off x="6944221" y="0"/>
-            <a:ext cx="4213717" cy="6840538"/>
+            <a:off x="774700" y="2410619"/>
+            <a:ext cx="10610850" cy="2019300"/>
           </a:xfrm>
           <a:prstGeom prst="rect">
             <a:avLst/>
@@ -7836,7 +7817,7 @@
     </p:spTree>
     <p:extLst>
       <p:ext uri="{BB962C8B-B14F-4D97-AF65-F5344CB8AC3E}">
-        <p14:creationId xmlns:p14="http://schemas.microsoft.com/office/powerpoint/2010/main" val="3929824406"/>
+        <p14:creationId xmlns:p14="http://schemas.microsoft.com/office/powerpoint/2010/main" val="2333160138"/>
       </p:ext>
     </p:extLst>
   </p:cSld>
@@ -7948,6 +7929,313 @@
       </p:sp>
       <p:pic>
         <p:nvPicPr>
+          <p:cNvPr id="2" name="그림 1">
+            <a:extLst>
+              <a:ext uri="{FF2B5EF4-FFF2-40B4-BE49-F238E27FC236}">
+                <a16:creationId xmlns:a16="http://schemas.microsoft.com/office/drawing/2014/main" id="{8BE61E85-6E04-4B2B-B637-A54CB202531F}"/>
+              </a:ext>
+            </a:extLst>
+          </p:cNvPr>
+          <p:cNvPicPr>
+            <a:picLocks noChangeAspect="1"/>
+          </p:cNvPicPr>
+          <p:nvPr/>
+        </p:nvPicPr>
+        <p:blipFill>
+          <a:blip r:embed="rId2"/>
+          <a:stretch>
+            <a:fillRect/>
+          </a:stretch>
+        </p:blipFill>
+        <p:spPr>
+          <a:xfrm>
+            <a:off x="1759645" y="1782763"/>
+            <a:ext cx="8448675" cy="5057775"/>
+          </a:xfrm>
+          <a:prstGeom prst="rect">
+            <a:avLst/>
+          </a:prstGeom>
+        </p:spPr>
+      </p:pic>
+    </p:spTree>
+    <p:extLst>
+      <p:ext uri="{BB962C8B-B14F-4D97-AF65-F5344CB8AC3E}">
+        <p14:creationId xmlns:p14="http://schemas.microsoft.com/office/powerpoint/2010/main" val="3443183952"/>
+      </p:ext>
+    </p:extLst>
+  </p:cSld>
+  <p:clrMapOvr>
+    <a:masterClrMapping/>
+  </p:clrMapOvr>
+</p:sld>
+</file>
+
+<file path=ppt/slides/slide35.xml><?xml version="1.0" encoding="utf-8"?>
+<p:sld xmlns:a="http://schemas.openxmlformats.org/drawingml/2006/main" xmlns:r="http://schemas.openxmlformats.org/officeDocument/2006/relationships" xmlns:p="http://schemas.openxmlformats.org/presentationml/2006/main">
+  <p:cSld>
+    <p:spTree>
+      <p:nvGrpSpPr>
+        <p:cNvPr id="1" name=""/>
+        <p:cNvGrpSpPr/>
+        <p:nvPr/>
+      </p:nvGrpSpPr>
+      <p:grpSpPr>
+        <a:xfrm>
+          <a:off x="0" y="0"/>
+          <a:ext cx="0" cy="0"/>
+          <a:chOff x="0" y="0"/>
+          <a:chExt cx="0" cy="0"/>
+        </a:xfrm>
+      </p:grpSpPr>
+      <p:sp>
+        <p:nvSpPr>
+          <p:cNvPr id="5" name="제목 4"/>
+          <p:cNvSpPr>
+            <a:spLocks noGrp="1"/>
+          </p:cNvSpPr>
+          <p:nvPr>
+            <p:ph type="title"/>
+          </p:nvPr>
+        </p:nvSpPr>
+        <p:spPr>
+          <a:xfrm>
+            <a:off x="608016" y="551987"/>
+            <a:ext cx="10944225" cy="2724266"/>
+          </a:xfrm>
+        </p:spPr>
+        <p:txBody>
+          <a:bodyPr>
+            <a:noAutofit/>
+          </a:bodyPr>
+          <a:lstStyle/>
+          <a:p>
+            <a:pPr algn="l"/>
+            <a:r>
+              <a:rPr lang="en-US" altLang="ko-KR" sz="4400" dirty="0">
+                <a:solidFill>
+                  <a:schemeClr val="tx1">
+                    <a:lumMod val="75000"/>
+                    <a:lumOff val="25000"/>
+                  </a:schemeClr>
+                </a:solidFill>
+                <a:latin typeface="Noto Sans CJK KR Black" pitchFamily="34" charset="-127"/>
+                <a:ea typeface="Noto Sans CJK KR Black" pitchFamily="34" charset="-127"/>
+              </a:rPr>
+              <a:t>3. </a:t>
+            </a:r>
+            <a:r>
+              <a:rPr lang="ko-KR" altLang="en-US" sz="4400" dirty="0"/>
+              <a:t>분석 단계별 </a:t>
+            </a:r>
+            <a:br>
+              <a:rPr lang="en-US" altLang="ko-KR" sz="4400" dirty="0"/>
+            </a:br>
+            <a:r>
+              <a:rPr lang="ko-KR" altLang="en-US" sz="4400" dirty="0"/>
+              <a:t>의사결정을 위한 </a:t>
+            </a:r>
+            <a:br>
+              <a:rPr lang="en-US" altLang="ko-KR" sz="4400" dirty="0"/>
+            </a:br>
+            <a:r>
+              <a:rPr lang="ko-KR" altLang="en-US" sz="4400" dirty="0"/>
+              <a:t>수학</a:t>
+            </a:r>
+            <a:r>
+              <a:rPr lang="en-US" altLang="ko-KR" sz="4400" dirty="0"/>
+              <a:t>/</a:t>
+            </a:r>
+            <a:r>
+              <a:rPr lang="ko-KR" altLang="en-US" sz="4400" dirty="0"/>
+              <a:t>통계적 언어를 </a:t>
+            </a:r>
+            <a:br>
+              <a:rPr lang="en-US" altLang="ko-KR" sz="4400" dirty="0"/>
+            </a:br>
+            <a:r>
+              <a:rPr lang="ko-KR" altLang="en-US" sz="4400" dirty="0"/>
+              <a:t>이해하기</a:t>
+            </a:r>
+            <a:endParaRPr lang="ko-KR" altLang="en-US" sz="4400" dirty="0">
+              <a:solidFill>
+                <a:schemeClr val="tx1">
+                  <a:lumMod val="75000"/>
+                  <a:lumOff val="25000"/>
+                </a:schemeClr>
+              </a:solidFill>
+            </a:endParaRPr>
+          </a:p>
+        </p:txBody>
+      </p:sp>
+      <p:sp>
+        <p:nvSpPr>
+          <p:cNvPr id="3" name="슬라이드 번호 개체 틀 2"/>
+          <p:cNvSpPr>
+            <a:spLocks noGrp="1"/>
+          </p:cNvSpPr>
+          <p:nvPr>
+            <p:ph type="sldNum" sz="quarter" idx="12"/>
+          </p:nvPr>
+        </p:nvSpPr>
+        <p:spPr/>
+        <p:txBody>
+          <a:bodyPr/>
+          <a:lstStyle/>
+          <a:p>
+            <a:fld id="{6DDAE2C3-1A0B-474A-8CE8-AE55B8D9D4B1}" type="slidenum">
+              <a:rPr lang="ko-KR" altLang="en-US" smtClean="0"/>
+              <a:pPr/>
+              <a:t>35</a:t>
+            </a:fld>
+            <a:endParaRPr lang="ko-KR" altLang="en-US" dirty="0"/>
+          </a:p>
+        </p:txBody>
+      </p:sp>
+      <p:pic>
+        <p:nvPicPr>
+          <p:cNvPr id="4" name="그림 3">
+            <a:extLst>
+              <a:ext uri="{FF2B5EF4-FFF2-40B4-BE49-F238E27FC236}">
+                <a16:creationId xmlns:a16="http://schemas.microsoft.com/office/drawing/2014/main" id="{C5547C04-F8EB-43D4-8168-8F32406DB805}"/>
+              </a:ext>
+            </a:extLst>
+          </p:cNvPr>
+          <p:cNvPicPr>
+            <a:picLocks noChangeAspect="1"/>
+          </p:cNvPicPr>
+          <p:nvPr/>
+        </p:nvPicPr>
+        <p:blipFill>
+          <a:blip r:embed="rId2"/>
+          <a:stretch>
+            <a:fillRect/>
+          </a:stretch>
+        </p:blipFill>
+        <p:spPr>
+          <a:xfrm>
+            <a:off x="6944221" y="0"/>
+            <a:ext cx="4213717" cy="6840538"/>
+          </a:xfrm>
+          <a:prstGeom prst="rect">
+            <a:avLst/>
+          </a:prstGeom>
+        </p:spPr>
+      </p:pic>
+    </p:spTree>
+    <p:extLst>
+      <p:ext uri="{BB962C8B-B14F-4D97-AF65-F5344CB8AC3E}">
+        <p14:creationId xmlns:p14="http://schemas.microsoft.com/office/powerpoint/2010/main" val="3929824406"/>
+      </p:ext>
+    </p:extLst>
+  </p:cSld>
+  <p:clrMapOvr>
+    <a:masterClrMapping/>
+  </p:clrMapOvr>
+</p:sld>
+</file>
+
+<file path=ppt/slides/slide36.xml><?xml version="1.0" encoding="utf-8"?>
+<p:sld xmlns:a="http://schemas.openxmlformats.org/drawingml/2006/main" xmlns:r="http://schemas.openxmlformats.org/officeDocument/2006/relationships" xmlns:p="http://schemas.openxmlformats.org/presentationml/2006/main">
+  <p:cSld>
+    <p:spTree>
+      <p:nvGrpSpPr>
+        <p:cNvPr id="1" name=""/>
+        <p:cNvGrpSpPr/>
+        <p:nvPr/>
+      </p:nvGrpSpPr>
+      <p:grpSpPr>
+        <a:xfrm>
+          <a:off x="0" y="0"/>
+          <a:ext cx="0" cy="0"/>
+          <a:chOff x="0" y="0"/>
+          <a:chExt cx="0" cy="0"/>
+        </a:xfrm>
+      </p:grpSpPr>
+      <p:sp>
+        <p:nvSpPr>
+          <p:cNvPr id="5" name="제목 4"/>
+          <p:cNvSpPr>
+            <a:spLocks noGrp="1"/>
+          </p:cNvSpPr>
+          <p:nvPr>
+            <p:ph type="title"/>
+          </p:nvPr>
+        </p:nvSpPr>
+        <p:spPr>
+          <a:xfrm>
+            <a:off x="608016" y="551987"/>
+            <a:ext cx="10944225" cy="1140090"/>
+          </a:xfrm>
+        </p:spPr>
+        <p:txBody>
+          <a:bodyPr>
+            <a:noAutofit/>
+          </a:bodyPr>
+          <a:lstStyle/>
+          <a:p>
+            <a:pPr algn="l"/>
+            <a:r>
+              <a:rPr lang="en-US" altLang="ko-KR" sz="4400" dirty="0">
+                <a:solidFill>
+                  <a:schemeClr val="tx1">
+                    <a:lumMod val="75000"/>
+                    <a:lumOff val="25000"/>
+                  </a:schemeClr>
+                </a:solidFill>
+                <a:latin typeface="Noto Sans CJK KR Black" pitchFamily="34" charset="-127"/>
+                <a:ea typeface="Noto Sans CJK KR Black" pitchFamily="34" charset="-127"/>
+              </a:rPr>
+              <a:t>3. </a:t>
+            </a:r>
+            <a:r>
+              <a:rPr lang="ko-KR" altLang="en-US" sz="4400" dirty="0"/>
+              <a:t>분석 단계별 의사결정을 위한 수학</a:t>
+            </a:r>
+            <a:r>
+              <a:rPr lang="en-US" altLang="ko-KR" sz="4400" dirty="0"/>
+              <a:t>/</a:t>
+            </a:r>
+            <a:r>
+              <a:rPr lang="ko-KR" altLang="en-US" sz="4400" dirty="0"/>
+              <a:t>통계적 언어를 이해하기</a:t>
+            </a:r>
+            <a:endParaRPr lang="ko-KR" altLang="en-US" sz="4400" dirty="0">
+              <a:solidFill>
+                <a:schemeClr val="tx1">
+                  <a:lumMod val="75000"/>
+                  <a:lumOff val="25000"/>
+                </a:schemeClr>
+              </a:solidFill>
+            </a:endParaRPr>
+          </a:p>
+        </p:txBody>
+      </p:sp>
+      <p:sp>
+        <p:nvSpPr>
+          <p:cNvPr id="3" name="슬라이드 번호 개체 틀 2"/>
+          <p:cNvSpPr>
+            <a:spLocks noGrp="1"/>
+          </p:cNvSpPr>
+          <p:nvPr>
+            <p:ph type="sldNum" sz="quarter" idx="12"/>
+          </p:nvPr>
+        </p:nvSpPr>
+        <p:spPr/>
+        <p:txBody>
+          <a:bodyPr/>
+          <a:lstStyle/>
+          <a:p>
+            <a:fld id="{6DDAE2C3-1A0B-474A-8CE8-AE55B8D9D4B1}" type="slidenum">
+              <a:rPr lang="ko-KR" altLang="en-US" smtClean="0"/>
+              <a:pPr/>
+              <a:t>36</a:t>
+            </a:fld>
+            <a:endParaRPr lang="ko-KR" altLang="en-US" dirty="0"/>
+          </a:p>
+        </p:txBody>
+      </p:sp>
+      <p:pic>
+        <p:nvPicPr>
           <p:cNvPr id="4" name="그림 3">
             <a:extLst>
               <a:ext uri="{FF2B5EF4-FFF2-40B4-BE49-F238E27FC236}">
@@ -7989,7 +8277,7 @@
 </p:sld>
 </file>
 
-<file path=ppt/slides/slide35.xml><?xml version="1.0" encoding="utf-8"?>
+<file path=ppt/slides/slide37.xml><?xml version="1.0" encoding="utf-8"?>
 <p:sld xmlns:a="http://schemas.openxmlformats.org/drawingml/2006/main" xmlns:r="http://schemas.openxmlformats.org/officeDocument/2006/relationships" xmlns:p="http://schemas.openxmlformats.org/presentationml/2006/main">
   <p:cSld>
     <p:spTree>
@@ -8477,7 +8765,7 @@
             <a:fld id="{6DDAE2C3-1A0B-474A-8CE8-AE55B8D9D4B1}" type="slidenum">
               <a:rPr lang="ko-KR" altLang="en-US" smtClean="0"/>
               <a:pPr/>
-              <a:t>35</a:t>
+              <a:t>37</a:t>
             </a:fld>
             <a:endParaRPr lang="ko-KR" altLang="en-US" dirty="0"/>
           </a:p>
@@ -8496,7 +8784,7 @@
 </p:sld>
 </file>
 
-<file path=ppt/slides/slide36.xml><?xml version="1.0" encoding="utf-8"?>
+<file path=ppt/slides/slide38.xml><?xml version="1.0" encoding="utf-8"?>
 <p:sld xmlns:a="http://schemas.openxmlformats.org/drawingml/2006/main" xmlns:r="http://schemas.openxmlformats.org/officeDocument/2006/relationships" xmlns:p="http://schemas.openxmlformats.org/presentationml/2006/main">
   <p:cSld>
     <p:spTree>

--- a/Shared/[FastCampus] 1주차_강의자료_김경원박사.pptx
+++ b/Shared/[FastCampus] 1주차_강의자료_김경원박사.pptx
@@ -5,10 +5,10 @@
     <p:sldMasterId id="2147483648" r:id="rId1"/>
   </p:sldMasterIdLst>
   <p:notesMasterIdLst>
-    <p:notesMasterId r:id="rId40"/>
+    <p:notesMasterId r:id="rId48"/>
   </p:notesMasterIdLst>
   <p:handoutMasterIdLst>
-    <p:handoutMasterId r:id="rId41"/>
+    <p:handoutMasterId r:id="rId49"/>
   </p:handoutMasterIdLst>
   <p:sldIdLst>
     <p:sldId id="1063" r:id="rId2"/>
@@ -47,16 +47,24 @@
     <p:sldId id="1129" r:id="rId35"/>
     <p:sldId id="1131" r:id="rId36"/>
     <p:sldId id="1133" r:id="rId37"/>
-    <p:sldId id="1134" r:id="rId38"/>
-    <p:sldId id="1062" r:id="rId39"/>
+    <p:sldId id="1137" r:id="rId38"/>
+    <p:sldId id="1138" r:id="rId39"/>
+    <p:sldId id="1139" r:id="rId40"/>
+    <p:sldId id="1140" r:id="rId41"/>
+    <p:sldId id="1141" r:id="rId42"/>
+    <p:sldId id="1142" r:id="rId43"/>
+    <p:sldId id="1143" r:id="rId44"/>
+    <p:sldId id="1144" r:id="rId45"/>
+    <p:sldId id="1134" r:id="rId46"/>
+    <p:sldId id="1062" r:id="rId47"/>
   </p:sldIdLst>
   <p:sldSz cx="12160250" cy="6840538"/>
   <p:notesSz cx="9874250" cy="6797675"/>
   <p:embeddedFontLst>
     <p:embeddedFont>
       <p:font typeface="맑은 고딕" panose="020B0503020000020004" pitchFamily="50" charset="-127"/>
-      <p:regular r:id="rId42"/>
-      <p:bold r:id="rId43"/>
+      <p:regular r:id="rId50"/>
+      <p:bold r:id="rId51"/>
     </p:embeddedFont>
   </p:embeddedFontLst>
   <p:defaultTextStyle>
@@ -269,7 +277,7 @@
           <a:p>
             <a:fld id="{FC718EE8-BF93-4A17-BED5-FC99EECA5FC7}" type="datetimeFigureOut">
               <a:rPr lang="ko-KR" altLang="en-US" smtClean="0"/>
-              <a:t>2019-10-11</a:t>
+              <a:t>2020-01-04</a:t>
             </a:fld>
             <a:endParaRPr lang="ko-KR" altLang="en-US"/>
           </a:p>
@@ -434,7 +442,7 @@
           <a:p>
             <a:fld id="{6101F873-BA02-446B-9127-C4DE4310B943}" type="datetimeFigureOut">
               <a:rPr lang="ko-KR" altLang="en-US" smtClean="0"/>
-              <a:t>2019-10-11</a:t>
+              <a:t>2020-01-04</a:t>
             </a:fld>
             <a:endParaRPr lang="ko-KR" altLang="en-US"/>
           </a:p>
@@ -785,6 +793,174 @@
 </p:notes>
 </file>
 
+<file path=ppt/notesSlides/notesSlide2.xml><?xml version="1.0" encoding="utf-8"?>
+<p:notes xmlns:a="http://schemas.openxmlformats.org/drawingml/2006/main" xmlns:r="http://schemas.openxmlformats.org/officeDocument/2006/relationships" xmlns:p="http://schemas.openxmlformats.org/presentationml/2006/main">
+  <p:cSld>
+    <p:spTree>
+      <p:nvGrpSpPr>
+        <p:cNvPr id="1" name=""/>
+        <p:cNvGrpSpPr/>
+        <p:nvPr/>
+      </p:nvGrpSpPr>
+      <p:grpSpPr>
+        <a:xfrm>
+          <a:off x="0" y="0"/>
+          <a:ext cx="0" cy="0"/>
+          <a:chOff x="0" y="0"/>
+          <a:chExt cx="0" cy="0"/>
+        </a:xfrm>
+      </p:grpSpPr>
+      <p:sp>
+        <p:nvSpPr>
+          <p:cNvPr id="2" name="슬라이드 이미지 개체 틀 1"/>
+          <p:cNvSpPr>
+            <a:spLocks noGrp="1" noRot="1" noChangeAspect="1"/>
+          </p:cNvSpPr>
+          <p:nvPr>
+            <p:ph type="sldImg"/>
+          </p:nvPr>
+        </p:nvSpPr>
+        <p:spPr/>
+      </p:sp>
+      <p:sp>
+        <p:nvSpPr>
+          <p:cNvPr id="3" name="슬라이드 노트 개체 틀 2"/>
+          <p:cNvSpPr>
+            <a:spLocks noGrp="1"/>
+          </p:cNvSpPr>
+          <p:nvPr>
+            <p:ph type="body" idx="1"/>
+          </p:nvPr>
+        </p:nvSpPr>
+        <p:spPr/>
+        <p:txBody>
+          <a:bodyPr/>
+          <a:lstStyle/>
+          <a:p>
+            <a:endParaRPr lang="ko-KR" altLang="en-US" dirty="0"/>
+          </a:p>
+        </p:txBody>
+      </p:sp>
+      <p:sp>
+        <p:nvSpPr>
+          <p:cNvPr id="4" name="슬라이드 번호 개체 틀 3"/>
+          <p:cNvSpPr>
+            <a:spLocks noGrp="1"/>
+          </p:cNvSpPr>
+          <p:nvPr>
+            <p:ph type="sldNum" sz="quarter" idx="5"/>
+          </p:nvPr>
+        </p:nvSpPr>
+        <p:spPr/>
+        <p:txBody>
+          <a:bodyPr/>
+          <a:lstStyle/>
+          <a:p>
+            <a:fld id="{C191BC67-C438-4515-9D3F-F10D40F1354A}" type="slidenum">
+              <a:rPr lang="ko-KR" altLang="en-US" smtClean="0"/>
+              <a:t>43</a:t>
+            </a:fld>
+            <a:endParaRPr lang="ko-KR" altLang="en-US"/>
+          </a:p>
+        </p:txBody>
+      </p:sp>
+    </p:spTree>
+    <p:extLst>
+      <p:ext uri="{BB962C8B-B14F-4D97-AF65-F5344CB8AC3E}">
+        <p14:creationId xmlns:p14="http://schemas.microsoft.com/office/powerpoint/2010/main" val="240021385"/>
+      </p:ext>
+    </p:extLst>
+  </p:cSld>
+  <p:clrMapOvr>
+    <a:masterClrMapping/>
+  </p:clrMapOvr>
+</p:notes>
+</file>
+
+<file path=ppt/notesSlides/notesSlide3.xml><?xml version="1.0" encoding="utf-8"?>
+<p:notes xmlns:a="http://schemas.openxmlformats.org/drawingml/2006/main" xmlns:r="http://schemas.openxmlformats.org/officeDocument/2006/relationships" xmlns:p="http://schemas.openxmlformats.org/presentationml/2006/main">
+  <p:cSld>
+    <p:spTree>
+      <p:nvGrpSpPr>
+        <p:cNvPr id="1" name=""/>
+        <p:cNvGrpSpPr/>
+        <p:nvPr/>
+      </p:nvGrpSpPr>
+      <p:grpSpPr>
+        <a:xfrm>
+          <a:off x="0" y="0"/>
+          <a:ext cx="0" cy="0"/>
+          <a:chOff x="0" y="0"/>
+          <a:chExt cx="0" cy="0"/>
+        </a:xfrm>
+      </p:grpSpPr>
+      <p:sp>
+        <p:nvSpPr>
+          <p:cNvPr id="2" name="슬라이드 이미지 개체 틀 1"/>
+          <p:cNvSpPr>
+            <a:spLocks noGrp="1" noRot="1" noChangeAspect="1"/>
+          </p:cNvSpPr>
+          <p:nvPr>
+            <p:ph type="sldImg"/>
+          </p:nvPr>
+        </p:nvSpPr>
+        <p:spPr/>
+      </p:sp>
+      <p:sp>
+        <p:nvSpPr>
+          <p:cNvPr id="3" name="슬라이드 노트 개체 틀 2"/>
+          <p:cNvSpPr>
+            <a:spLocks noGrp="1"/>
+          </p:cNvSpPr>
+          <p:nvPr>
+            <p:ph type="body" idx="1"/>
+          </p:nvPr>
+        </p:nvSpPr>
+        <p:spPr/>
+        <p:txBody>
+          <a:bodyPr/>
+          <a:lstStyle/>
+          <a:p>
+            <a:endParaRPr lang="ko-KR" altLang="en-US" dirty="0"/>
+          </a:p>
+        </p:txBody>
+      </p:sp>
+      <p:sp>
+        <p:nvSpPr>
+          <p:cNvPr id="4" name="슬라이드 번호 개체 틀 3"/>
+          <p:cNvSpPr>
+            <a:spLocks noGrp="1"/>
+          </p:cNvSpPr>
+          <p:nvPr>
+            <p:ph type="sldNum" sz="quarter" idx="5"/>
+          </p:nvPr>
+        </p:nvSpPr>
+        <p:spPr/>
+        <p:txBody>
+          <a:bodyPr/>
+          <a:lstStyle/>
+          <a:p>
+            <a:fld id="{C191BC67-C438-4515-9D3F-F10D40F1354A}" type="slidenum">
+              <a:rPr lang="ko-KR" altLang="en-US" smtClean="0"/>
+              <a:t>44</a:t>
+            </a:fld>
+            <a:endParaRPr lang="ko-KR" altLang="en-US"/>
+          </a:p>
+        </p:txBody>
+      </p:sp>
+    </p:spTree>
+    <p:extLst>
+      <p:ext uri="{BB962C8B-B14F-4D97-AF65-F5344CB8AC3E}">
+        <p14:creationId xmlns:p14="http://schemas.microsoft.com/office/powerpoint/2010/main" val="3483841123"/>
+      </p:ext>
+    </p:extLst>
+  </p:cSld>
+  <p:clrMapOvr>
+    <a:masterClrMapping/>
+  </p:clrMapOvr>
+</p:notes>
+</file>
+
 <file path=ppt/slideLayouts/slideLayout1.xml><?xml version="1.0" encoding="utf-8"?>
 <p:sldLayout xmlns:a="http://schemas.openxmlformats.org/drawingml/2006/main" xmlns:r="http://schemas.openxmlformats.org/officeDocument/2006/relationships" xmlns:p="http://schemas.openxmlformats.org/presentationml/2006/main" type="title" preserve="1">
   <p:cSld name="제목 슬라이드">
@@ -964,7 +1140,7 @@
           <a:p>
             <a:fld id="{89B5E594-86C5-4F1D-8812-38DF40064943}" type="datetime1">
               <a:rPr lang="ko-KR" altLang="en-US" smtClean="0"/>
-              <a:t>2019-10-11</a:t>
+              <a:t>2020-01-04</a:t>
             </a:fld>
             <a:endParaRPr lang="ko-KR" altLang="en-US"/>
           </a:p>
@@ -1172,7 +1348,7 @@
           <a:p>
             <a:fld id="{05C0B17C-522D-4CD8-8139-01EDEBAB2AF6}" type="datetime1">
               <a:rPr lang="ko-KR" altLang="en-US" smtClean="0"/>
-              <a:t>2019-10-11</a:t>
+              <a:t>2020-01-04</a:t>
             </a:fld>
             <a:endParaRPr lang="ko-KR" altLang="en-US"/>
           </a:p>
@@ -1350,7 +1526,7 @@
           <a:p>
             <a:fld id="{7345261C-38F3-40E7-AAA6-CE27B727AA65}" type="datetime1">
               <a:rPr lang="ko-KR" altLang="en-US" smtClean="0"/>
-              <a:t>2019-10-11</a:t>
+              <a:t>2020-01-04</a:t>
             </a:fld>
             <a:endParaRPr lang="ko-KR" altLang="en-US"/>
           </a:p>
@@ -1518,7 +1694,7 @@
           <a:p>
             <a:fld id="{A8472951-AD8C-47B8-8787-30E2F4BFA1EA}" type="datetime1">
               <a:rPr lang="ko-KR" altLang="en-US" smtClean="0"/>
-              <a:t>2019-10-11</a:t>
+              <a:t>2020-01-04</a:t>
             </a:fld>
             <a:endParaRPr lang="ko-KR" altLang="en-US"/>
           </a:p>
@@ -1773,7 +1949,7 @@
           <a:p>
             <a:fld id="{8BCB1BBF-13D1-46E6-8B8B-C9F26A0BAD91}" type="datetime1">
               <a:rPr lang="ko-KR" altLang="en-US" smtClean="0"/>
-              <a:t>2019-10-11</a:t>
+              <a:t>2020-01-04</a:t>
             </a:fld>
             <a:endParaRPr lang="ko-KR" altLang="en-US"/>
           </a:p>
@@ -2058,7 +2234,7 @@
           <a:p>
             <a:fld id="{B16FDC3D-FD6A-49DF-B101-11717D57279F}" type="datetime1">
               <a:rPr lang="ko-KR" altLang="en-US" smtClean="0"/>
-              <a:t>2019-10-11</a:t>
+              <a:t>2020-01-04</a:t>
             </a:fld>
             <a:endParaRPr lang="ko-KR" altLang="en-US"/>
           </a:p>
@@ -2477,7 +2653,7 @@
           <a:p>
             <a:fld id="{42D411A2-FD90-4A19-98A8-25197A66BC26}" type="datetime1">
               <a:rPr lang="ko-KR" altLang="en-US" smtClean="0"/>
-              <a:t>2019-10-11</a:t>
+              <a:t>2020-01-04</a:t>
             </a:fld>
             <a:endParaRPr lang="ko-KR" altLang="en-US"/>
           </a:p>
@@ -2594,7 +2770,7 @@
           <a:p>
             <a:fld id="{F6E6B532-6471-449A-9A2F-4428556C2F98}" type="datetime1">
               <a:rPr lang="ko-KR" altLang="en-US" smtClean="0"/>
-              <a:t>2019-10-11</a:t>
+              <a:t>2020-01-04</a:t>
             </a:fld>
             <a:endParaRPr lang="ko-KR" altLang="en-US"/>
           </a:p>
@@ -2689,7 +2865,7 @@
           <a:p>
             <a:fld id="{45A9E13B-856D-4562-A86D-A2B6F7BF810F}" type="datetime1">
               <a:rPr lang="ko-KR" altLang="en-US" smtClean="0"/>
-              <a:t>2019-10-11</a:t>
+              <a:t>2020-01-04</a:t>
             </a:fld>
             <a:endParaRPr lang="ko-KR" altLang="en-US"/>
           </a:p>
@@ -2964,7 +3140,7 @@
           <a:p>
             <a:fld id="{A672FB3A-7E9E-4380-9381-6FCA87FBB41A}" type="datetime1">
               <a:rPr lang="ko-KR" altLang="en-US" smtClean="0"/>
-              <a:t>2019-10-11</a:t>
+              <a:t>2020-01-04</a:t>
             </a:fld>
             <a:endParaRPr lang="ko-KR" altLang="en-US"/>
           </a:p>
@@ -3216,7 +3392,7 @@
           <a:p>
             <a:fld id="{3948CCBA-1514-4E9E-888A-807450F810B0}" type="datetime1">
               <a:rPr lang="ko-KR" altLang="en-US" smtClean="0"/>
-              <a:t>2019-10-11</a:t>
+              <a:t>2020-01-04</a:t>
             </a:fld>
             <a:endParaRPr lang="ko-KR" altLang="en-US"/>
           </a:p>
@@ -3429,7 +3605,7 @@
           <a:p>
             <a:fld id="{170EDEE7-370E-499F-B978-ABF387098974}" type="datetime1">
               <a:rPr lang="ko-KR" altLang="en-US" smtClean="0"/>
-              <a:t>2019-10-11</a:t>
+              <a:t>2020-01-04</a:t>
             </a:fld>
             <a:endParaRPr lang="ko-KR" altLang="en-US" dirty="0"/>
           </a:p>
@@ -4586,12 +4762,84 @@
           </a:p>
         </p:txBody>
       </p:sp>
+      <p:sp>
+        <p:nvSpPr>
+          <p:cNvPr id="5" name="제목 4"/>
+          <p:cNvSpPr>
+            <a:spLocks noGrp="1"/>
+          </p:cNvSpPr>
+          <p:nvPr>
+            <p:ph type="title"/>
+          </p:nvPr>
+        </p:nvSpPr>
+        <p:spPr>
+          <a:xfrm>
+            <a:off x="608016" y="551987"/>
+            <a:ext cx="10944225" cy="2868282"/>
+          </a:xfrm>
+        </p:spPr>
+        <p:txBody>
+          <a:bodyPr>
+            <a:noAutofit/>
+          </a:bodyPr>
+          <a:lstStyle/>
+          <a:p>
+            <a:pPr algn="l"/>
+            <a:r>
+              <a:rPr lang="en-US" altLang="ko-KR" sz="4400" dirty="0">
+                <a:solidFill>
+                  <a:schemeClr val="tx1">
+                    <a:lumMod val="75000"/>
+                    <a:lumOff val="25000"/>
+                  </a:schemeClr>
+                </a:solidFill>
+                <a:latin typeface="Noto Sans CJK KR Black" pitchFamily="34" charset="-127"/>
+                <a:ea typeface="Noto Sans CJK KR Black" pitchFamily="34" charset="-127"/>
+              </a:rPr>
+              <a:t>2. </a:t>
+            </a:r>
+            <a:r>
+              <a:rPr lang="ko-KR" altLang="en-US" sz="4400" dirty="0"/>
+              <a:t>분석을 </a:t>
+            </a:r>
+            <a:br>
+              <a:rPr lang="en-US" altLang="ko-KR" sz="4400" dirty="0"/>
+            </a:br>
+            <a:r>
+              <a:rPr lang="ko-KR" altLang="en-US" sz="4400" dirty="0"/>
+              <a:t>이해하고 </a:t>
+            </a:r>
+            <a:br>
+              <a:rPr lang="en-US" altLang="ko-KR" sz="4400" dirty="0"/>
+            </a:br>
+            <a:r>
+              <a:rPr lang="ko-KR" altLang="en-US" sz="4400" dirty="0"/>
+              <a:t>공감하는 </a:t>
+            </a:r>
+            <a:br>
+              <a:rPr lang="en-US" altLang="ko-KR" sz="4400" dirty="0"/>
+            </a:br>
+            <a:r>
+              <a:rPr lang="ko-KR" altLang="en-US" sz="4400" dirty="0"/>
+              <a:t>자세 및 방향</a:t>
+            </a:r>
+            <a:endParaRPr lang="ko-KR" altLang="en-US" sz="4400" dirty="0">
+              <a:solidFill>
+                <a:schemeClr val="tx1">
+                  <a:lumMod val="75000"/>
+                  <a:lumOff val="25000"/>
+                </a:schemeClr>
+              </a:solidFill>
+            </a:endParaRPr>
+          </a:p>
+        </p:txBody>
+      </p:sp>
       <p:pic>
         <p:nvPicPr>
-          <p:cNvPr id="2" name="그림 1">
+          <p:cNvPr id="4" name="그림 3">
             <a:extLst>
               <a:ext uri="{FF2B5EF4-FFF2-40B4-BE49-F238E27FC236}">
-                <a16:creationId xmlns:a16="http://schemas.microsoft.com/office/drawing/2014/main" id="{93AD4C7E-A276-4055-BE4B-52EBF32F3D1C}"/>
+                <a16:creationId xmlns:a16="http://schemas.microsoft.com/office/drawing/2014/main" id="{5A6DC1B4-EADB-465C-9196-90DF96FAD0FF}"/>
               </a:ext>
             </a:extLst>
           </p:cNvPr>
@@ -4608,86 +4856,14 @@
         </p:blipFill>
         <p:spPr>
           <a:xfrm>
-            <a:off x="4445000" y="193118"/>
-            <a:ext cx="7715250" cy="6543675"/>
+            <a:off x="4292346" y="398248"/>
+            <a:ext cx="7705725" cy="5962650"/>
           </a:xfrm>
           <a:prstGeom prst="rect">
             <a:avLst/>
           </a:prstGeom>
         </p:spPr>
       </p:pic>
-      <p:sp>
-        <p:nvSpPr>
-          <p:cNvPr id="5" name="제목 4"/>
-          <p:cNvSpPr>
-            <a:spLocks noGrp="1"/>
-          </p:cNvSpPr>
-          <p:nvPr>
-            <p:ph type="title"/>
-          </p:nvPr>
-        </p:nvSpPr>
-        <p:spPr>
-          <a:xfrm>
-            <a:off x="608016" y="551987"/>
-            <a:ext cx="10944225" cy="2868282"/>
-          </a:xfrm>
-        </p:spPr>
-        <p:txBody>
-          <a:bodyPr>
-            <a:noAutofit/>
-          </a:bodyPr>
-          <a:lstStyle/>
-          <a:p>
-            <a:pPr algn="l"/>
-            <a:r>
-              <a:rPr lang="en-US" altLang="ko-KR" sz="4400" dirty="0">
-                <a:solidFill>
-                  <a:schemeClr val="tx1">
-                    <a:lumMod val="75000"/>
-                    <a:lumOff val="25000"/>
-                  </a:schemeClr>
-                </a:solidFill>
-                <a:latin typeface="Noto Sans CJK KR Black" pitchFamily="34" charset="-127"/>
-                <a:ea typeface="Noto Sans CJK KR Black" pitchFamily="34" charset="-127"/>
-              </a:rPr>
-              <a:t>2. </a:t>
-            </a:r>
-            <a:r>
-              <a:rPr lang="ko-KR" altLang="en-US" sz="4400" dirty="0"/>
-              <a:t>분석을 </a:t>
-            </a:r>
-            <a:br>
-              <a:rPr lang="en-US" altLang="ko-KR" sz="4400" dirty="0"/>
-            </a:br>
-            <a:r>
-              <a:rPr lang="ko-KR" altLang="en-US" sz="4400" dirty="0"/>
-              <a:t>이해하고 </a:t>
-            </a:r>
-            <a:br>
-              <a:rPr lang="en-US" altLang="ko-KR" sz="4400" dirty="0"/>
-            </a:br>
-            <a:r>
-              <a:rPr lang="ko-KR" altLang="en-US" sz="4400" dirty="0"/>
-              <a:t>공감하는 </a:t>
-            </a:r>
-            <a:br>
-              <a:rPr lang="en-US" altLang="ko-KR" sz="4400" dirty="0"/>
-            </a:br>
-            <a:r>
-              <a:rPr lang="ko-KR" altLang="en-US" sz="4400" dirty="0"/>
-              <a:t>자세 및 방향</a:t>
-            </a:r>
-            <a:endParaRPr lang="ko-KR" altLang="en-US" sz="4400" dirty="0">
-              <a:solidFill>
-                <a:schemeClr val="tx1">
-                  <a:lumMod val="75000"/>
-                  <a:lumOff val="25000"/>
-                </a:schemeClr>
-              </a:solidFill>
-            </a:endParaRPr>
-          </a:p>
-        </p:txBody>
-      </p:sp>
     </p:spTree>
     <p:extLst>
       <p:ext uri="{BB962C8B-B14F-4D97-AF65-F5344CB8AC3E}">
@@ -5081,10 +5257,10 @@
       </p:sp>
       <p:pic>
         <p:nvPicPr>
-          <p:cNvPr id="4" name="그림 3">
+          <p:cNvPr id="2" name="그림 1">
             <a:extLst>
               <a:ext uri="{FF2B5EF4-FFF2-40B4-BE49-F238E27FC236}">
-                <a16:creationId xmlns:a16="http://schemas.microsoft.com/office/drawing/2014/main" id="{147DB8F2-FD69-40FF-81A7-62A35A9F0C7E}"/>
+                <a16:creationId xmlns:a16="http://schemas.microsoft.com/office/drawing/2014/main" id="{1027A231-C494-4B02-A125-482308E5E178}"/>
               </a:ext>
             </a:extLst>
           </p:cNvPr>
@@ -5101,8 +5277,8 @@
         </p:blipFill>
         <p:spPr>
           <a:xfrm>
-            <a:off x="1889125" y="2294025"/>
-            <a:ext cx="8382000" cy="3476625"/>
+            <a:off x="1798637" y="2436900"/>
+            <a:ext cx="8562975" cy="3190875"/>
           </a:xfrm>
           <a:prstGeom prst="rect">
             <a:avLst/>
@@ -7172,10 +7348,10 @@
       </p:sp>
       <p:pic>
         <p:nvPicPr>
-          <p:cNvPr id="6" name="그림 5">
+          <p:cNvPr id="2" name="그림 1">
             <a:extLst>
               <a:ext uri="{FF2B5EF4-FFF2-40B4-BE49-F238E27FC236}">
-                <a16:creationId xmlns:a16="http://schemas.microsoft.com/office/drawing/2014/main" id="{40E4ADD1-25A1-4552-A958-0A689D0B1D4B}"/>
+                <a16:creationId xmlns:a16="http://schemas.microsoft.com/office/drawing/2014/main" id="{6A4D4422-E3FC-495E-BCD5-4B090EC5AAB9}"/>
               </a:ext>
             </a:extLst>
           </p:cNvPr>
@@ -7192,8 +7368,8 @@
         </p:blipFill>
         <p:spPr>
           <a:xfrm>
-            <a:off x="3679825" y="76994"/>
-            <a:ext cx="4800600" cy="6686550"/>
+            <a:off x="2923510" y="107901"/>
+            <a:ext cx="6313230" cy="6628892"/>
           </a:xfrm>
           <a:prstGeom prst="rect">
             <a:avLst/>
@@ -8278,6 +8454,1285 @@
 </file>
 
 <file path=ppt/slides/slide37.xml><?xml version="1.0" encoding="utf-8"?>
+<p:sld xmlns:a="http://schemas.openxmlformats.org/drawingml/2006/main" xmlns:r="http://schemas.openxmlformats.org/officeDocument/2006/relationships" xmlns:p="http://schemas.openxmlformats.org/presentationml/2006/main">
+  <p:cSld>
+    <p:spTree>
+      <p:nvGrpSpPr>
+        <p:cNvPr id="1" name=""/>
+        <p:cNvGrpSpPr/>
+        <p:nvPr/>
+      </p:nvGrpSpPr>
+      <p:grpSpPr>
+        <a:xfrm>
+          <a:off x="0" y="0"/>
+          <a:ext cx="0" cy="0"/>
+          <a:chOff x="0" y="0"/>
+          <a:chExt cx="0" cy="0"/>
+        </a:xfrm>
+      </p:grpSpPr>
+      <p:sp>
+        <p:nvSpPr>
+          <p:cNvPr id="5" name="제목 4"/>
+          <p:cNvSpPr>
+            <a:spLocks noGrp="1"/>
+          </p:cNvSpPr>
+          <p:nvPr>
+            <p:ph type="title"/>
+          </p:nvPr>
+        </p:nvSpPr>
+        <p:spPr>
+          <a:xfrm>
+            <a:off x="608016" y="551987"/>
+            <a:ext cx="10944225" cy="1140090"/>
+          </a:xfrm>
+        </p:spPr>
+        <p:txBody>
+          <a:bodyPr>
+            <a:noAutofit/>
+          </a:bodyPr>
+          <a:lstStyle/>
+          <a:p>
+            <a:pPr algn="l"/>
+            <a:r>
+              <a:rPr lang="en-US" altLang="ko-KR" sz="4400" dirty="0">
+                <a:solidFill>
+                  <a:schemeClr val="tx1">
+                    <a:lumMod val="75000"/>
+                    <a:lumOff val="25000"/>
+                  </a:schemeClr>
+                </a:solidFill>
+                <a:latin typeface="Noto Sans CJK KR Black" pitchFamily="34" charset="-127"/>
+                <a:ea typeface="Noto Sans CJK KR Black" pitchFamily="34" charset="-127"/>
+              </a:rPr>
+              <a:t>3. </a:t>
+            </a:r>
+            <a:r>
+              <a:rPr lang="ko-KR" altLang="en-US" sz="4400" dirty="0"/>
+              <a:t>분석 단계별 의사결정을 위한 수학</a:t>
+            </a:r>
+            <a:r>
+              <a:rPr lang="en-US" altLang="ko-KR" sz="4400" dirty="0"/>
+              <a:t>/</a:t>
+            </a:r>
+            <a:r>
+              <a:rPr lang="ko-KR" altLang="en-US" sz="4400" dirty="0"/>
+              <a:t>통계적 언어를 이해하기</a:t>
+            </a:r>
+            <a:endParaRPr lang="ko-KR" altLang="en-US" sz="4400" dirty="0">
+              <a:solidFill>
+                <a:schemeClr val="tx1">
+                  <a:lumMod val="75000"/>
+                  <a:lumOff val="25000"/>
+                </a:schemeClr>
+              </a:solidFill>
+            </a:endParaRPr>
+          </a:p>
+        </p:txBody>
+      </p:sp>
+      <p:sp>
+        <p:nvSpPr>
+          <p:cNvPr id="3" name="슬라이드 번호 개체 틀 2"/>
+          <p:cNvSpPr>
+            <a:spLocks noGrp="1"/>
+          </p:cNvSpPr>
+          <p:nvPr>
+            <p:ph type="sldNum" sz="quarter" idx="12"/>
+          </p:nvPr>
+        </p:nvSpPr>
+        <p:spPr/>
+        <p:txBody>
+          <a:bodyPr/>
+          <a:lstStyle/>
+          <a:p>
+            <a:fld id="{6DDAE2C3-1A0B-474A-8CE8-AE55B8D9D4B1}" type="slidenum">
+              <a:rPr lang="ko-KR" altLang="en-US" smtClean="0"/>
+              <a:pPr/>
+              <a:t>37</a:t>
+            </a:fld>
+            <a:endParaRPr lang="ko-KR" altLang="en-US" dirty="0"/>
+          </a:p>
+        </p:txBody>
+      </p:sp>
+      <p:pic>
+        <p:nvPicPr>
+          <p:cNvPr id="2" name="그림 1">
+            <a:extLst>
+              <a:ext uri="{FF2B5EF4-FFF2-40B4-BE49-F238E27FC236}">
+                <a16:creationId xmlns:a16="http://schemas.microsoft.com/office/drawing/2014/main" id="{DCA6C211-CFB3-47DB-8EF8-D1401C2CC0F0}"/>
+              </a:ext>
+            </a:extLst>
+          </p:cNvPr>
+          <p:cNvPicPr>
+            <a:picLocks noChangeAspect="1"/>
+          </p:cNvPicPr>
+          <p:nvPr/>
+        </p:nvPicPr>
+        <p:blipFill>
+          <a:blip r:embed="rId2"/>
+          <a:stretch>
+            <a:fillRect/>
+          </a:stretch>
+        </p:blipFill>
+        <p:spPr>
+          <a:xfrm>
+            <a:off x="1479550" y="2121056"/>
+            <a:ext cx="9201150" cy="4686300"/>
+          </a:xfrm>
+          <a:prstGeom prst="rect">
+            <a:avLst/>
+          </a:prstGeom>
+        </p:spPr>
+      </p:pic>
+    </p:spTree>
+    <p:extLst>
+      <p:ext uri="{BB962C8B-B14F-4D97-AF65-F5344CB8AC3E}">
+        <p14:creationId xmlns:p14="http://schemas.microsoft.com/office/powerpoint/2010/main" val="1016602117"/>
+      </p:ext>
+    </p:extLst>
+  </p:cSld>
+  <p:clrMapOvr>
+    <a:masterClrMapping/>
+  </p:clrMapOvr>
+</p:sld>
+</file>
+
+<file path=ppt/slides/slide38.xml><?xml version="1.0" encoding="utf-8"?>
+<p:sld xmlns:a="http://schemas.openxmlformats.org/drawingml/2006/main" xmlns:r="http://schemas.openxmlformats.org/officeDocument/2006/relationships" xmlns:p="http://schemas.openxmlformats.org/presentationml/2006/main">
+  <p:cSld>
+    <p:spTree>
+      <p:nvGrpSpPr>
+        <p:cNvPr id="1" name=""/>
+        <p:cNvGrpSpPr/>
+        <p:nvPr/>
+      </p:nvGrpSpPr>
+      <p:grpSpPr>
+        <a:xfrm>
+          <a:off x="0" y="0"/>
+          <a:ext cx="0" cy="0"/>
+          <a:chOff x="0" y="0"/>
+          <a:chExt cx="0" cy="0"/>
+        </a:xfrm>
+      </p:grpSpPr>
+      <p:sp>
+        <p:nvSpPr>
+          <p:cNvPr id="5" name="제목 4"/>
+          <p:cNvSpPr>
+            <a:spLocks noGrp="1"/>
+          </p:cNvSpPr>
+          <p:nvPr>
+            <p:ph type="title"/>
+          </p:nvPr>
+        </p:nvSpPr>
+        <p:spPr>
+          <a:xfrm>
+            <a:off x="608016" y="551987"/>
+            <a:ext cx="10944225" cy="1140090"/>
+          </a:xfrm>
+        </p:spPr>
+        <p:txBody>
+          <a:bodyPr>
+            <a:noAutofit/>
+          </a:bodyPr>
+          <a:lstStyle/>
+          <a:p>
+            <a:pPr algn="l"/>
+            <a:r>
+              <a:rPr lang="en-US" altLang="ko-KR" sz="4400" dirty="0">
+                <a:solidFill>
+                  <a:schemeClr val="tx1">
+                    <a:lumMod val="75000"/>
+                    <a:lumOff val="25000"/>
+                  </a:schemeClr>
+                </a:solidFill>
+                <a:latin typeface="Noto Sans CJK KR Black" pitchFamily="34" charset="-127"/>
+                <a:ea typeface="Noto Sans CJK KR Black" pitchFamily="34" charset="-127"/>
+              </a:rPr>
+              <a:t>3. </a:t>
+            </a:r>
+            <a:r>
+              <a:rPr lang="ko-KR" altLang="en-US" sz="4400" dirty="0"/>
+              <a:t>분석 단계별 의사결정을 위한 수학</a:t>
+            </a:r>
+            <a:r>
+              <a:rPr lang="en-US" altLang="ko-KR" sz="4400" dirty="0"/>
+              <a:t>/</a:t>
+            </a:r>
+            <a:r>
+              <a:rPr lang="ko-KR" altLang="en-US" sz="4400" dirty="0"/>
+              <a:t>통계적 언어를 이해하기</a:t>
+            </a:r>
+            <a:endParaRPr lang="ko-KR" altLang="en-US" sz="4400" dirty="0">
+              <a:solidFill>
+                <a:schemeClr val="tx1">
+                  <a:lumMod val="75000"/>
+                  <a:lumOff val="25000"/>
+                </a:schemeClr>
+              </a:solidFill>
+            </a:endParaRPr>
+          </a:p>
+        </p:txBody>
+      </p:sp>
+      <p:sp>
+        <p:nvSpPr>
+          <p:cNvPr id="3" name="슬라이드 번호 개체 틀 2"/>
+          <p:cNvSpPr>
+            <a:spLocks noGrp="1"/>
+          </p:cNvSpPr>
+          <p:nvPr>
+            <p:ph type="sldNum" sz="quarter" idx="12"/>
+          </p:nvPr>
+        </p:nvSpPr>
+        <p:spPr/>
+        <p:txBody>
+          <a:bodyPr/>
+          <a:lstStyle/>
+          <a:p>
+            <a:fld id="{6DDAE2C3-1A0B-474A-8CE8-AE55B8D9D4B1}" type="slidenum">
+              <a:rPr lang="ko-KR" altLang="en-US" smtClean="0"/>
+              <a:pPr/>
+              <a:t>38</a:t>
+            </a:fld>
+            <a:endParaRPr lang="ko-KR" altLang="en-US" dirty="0"/>
+          </a:p>
+        </p:txBody>
+      </p:sp>
+      <p:pic>
+        <p:nvPicPr>
+          <p:cNvPr id="4" name="그림 3">
+            <a:extLst>
+              <a:ext uri="{FF2B5EF4-FFF2-40B4-BE49-F238E27FC236}">
+                <a16:creationId xmlns:a16="http://schemas.microsoft.com/office/drawing/2014/main" id="{8ACECD2E-4271-4567-8B41-5B121CBFAA6E}"/>
+              </a:ext>
+            </a:extLst>
+          </p:cNvPr>
+          <p:cNvPicPr>
+            <a:picLocks noChangeAspect="1"/>
+          </p:cNvPicPr>
+          <p:nvPr/>
+        </p:nvPicPr>
+        <p:blipFill>
+          <a:blip r:embed="rId2"/>
+          <a:stretch>
+            <a:fillRect/>
+          </a:stretch>
+        </p:blipFill>
+        <p:spPr>
+          <a:xfrm>
+            <a:off x="2341562" y="2268141"/>
+            <a:ext cx="7477125" cy="3914775"/>
+          </a:xfrm>
+          <a:prstGeom prst="rect">
+            <a:avLst/>
+          </a:prstGeom>
+        </p:spPr>
+      </p:pic>
+    </p:spTree>
+    <p:extLst>
+      <p:ext uri="{BB962C8B-B14F-4D97-AF65-F5344CB8AC3E}">
+        <p14:creationId xmlns:p14="http://schemas.microsoft.com/office/powerpoint/2010/main" val="161235060"/>
+      </p:ext>
+    </p:extLst>
+  </p:cSld>
+  <p:clrMapOvr>
+    <a:masterClrMapping/>
+  </p:clrMapOvr>
+</p:sld>
+</file>
+
+<file path=ppt/slides/slide39.xml><?xml version="1.0" encoding="utf-8"?>
+<p:sld xmlns:a="http://schemas.openxmlformats.org/drawingml/2006/main" xmlns:r="http://schemas.openxmlformats.org/officeDocument/2006/relationships" xmlns:p="http://schemas.openxmlformats.org/presentationml/2006/main">
+  <p:cSld>
+    <p:spTree>
+      <p:nvGrpSpPr>
+        <p:cNvPr id="1" name=""/>
+        <p:cNvGrpSpPr/>
+        <p:nvPr/>
+      </p:nvGrpSpPr>
+      <p:grpSpPr>
+        <a:xfrm>
+          <a:off x="0" y="0"/>
+          <a:ext cx="0" cy="0"/>
+          <a:chOff x="0" y="0"/>
+          <a:chExt cx="0" cy="0"/>
+        </a:xfrm>
+      </p:grpSpPr>
+      <p:sp>
+        <p:nvSpPr>
+          <p:cNvPr id="5" name="제목 4"/>
+          <p:cNvSpPr>
+            <a:spLocks noGrp="1"/>
+          </p:cNvSpPr>
+          <p:nvPr>
+            <p:ph type="title"/>
+          </p:nvPr>
+        </p:nvSpPr>
+        <p:spPr>
+          <a:xfrm>
+            <a:off x="608016" y="551987"/>
+            <a:ext cx="10944225" cy="1140090"/>
+          </a:xfrm>
+        </p:spPr>
+        <p:txBody>
+          <a:bodyPr>
+            <a:noAutofit/>
+          </a:bodyPr>
+          <a:lstStyle/>
+          <a:p>
+            <a:pPr algn="l"/>
+            <a:r>
+              <a:rPr lang="en-US" altLang="ko-KR" sz="4400" dirty="0">
+                <a:solidFill>
+                  <a:schemeClr val="tx1">
+                    <a:lumMod val="75000"/>
+                    <a:lumOff val="25000"/>
+                  </a:schemeClr>
+                </a:solidFill>
+                <a:latin typeface="Noto Sans CJK KR Black" pitchFamily="34" charset="-127"/>
+                <a:ea typeface="Noto Sans CJK KR Black" pitchFamily="34" charset="-127"/>
+              </a:rPr>
+              <a:t>3. </a:t>
+            </a:r>
+            <a:r>
+              <a:rPr lang="ko-KR" altLang="en-US" sz="4400" dirty="0"/>
+              <a:t>분석 단계별 의사결정을 위한 수학</a:t>
+            </a:r>
+            <a:r>
+              <a:rPr lang="en-US" altLang="ko-KR" sz="4400" dirty="0"/>
+              <a:t>/</a:t>
+            </a:r>
+            <a:r>
+              <a:rPr lang="ko-KR" altLang="en-US" sz="4400" dirty="0"/>
+              <a:t>통계적 언어를 이해하기</a:t>
+            </a:r>
+            <a:endParaRPr lang="ko-KR" altLang="en-US" sz="4400" dirty="0">
+              <a:solidFill>
+                <a:schemeClr val="tx1">
+                  <a:lumMod val="75000"/>
+                  <a:lumOff val="25000"/>
+                </a:schemeClr>
+              </a:solidFill>
+            </a:endParaRPr>
+          </a:p>
+        </p:txBody>
+      </p:sp>
+      <p:sp>
+        <p:nvSpPr>
+          <p:cNvPr id="3" name="슬라이드 번호 개체 틀 2"/>
+          <p:cNvSpPr>
+            <a:spLocks noGrp="1"/>
+          </p:cNvSpPr>
+          <p:nvPr>
+            <p:ph type="sldNum" sz="quarter" idx="12"/>
+          </p:nvPr>
+        </p:nvSpPr>
+        <p:spPr/>
+        <p:txBody>
+          <a:bodyPr/>
+          <a:lstStyle/>
+          <a:p>
+            <a:fld id="{6DDAE2C3-1A0B-474A-8CE8-AE55B8D9D4B1}" type="slidenum">
+              <a:rPr lang="ko-KR" altLang="en-US" smtClean="0"/>
+              <a:pPr/>
+              <a:t>39</a:t>
+            </a:fld>
+            <a:endParaRPr lang="ko-KR" altLang="en-US" dirty="0"/>
+          </a:p>
+        </p:txBody>
+      </p:sp>
+      <p:pic>
+        <p:nvPicPr>
+          <p:cNvPr id="2" name="그림 1">
+            <a:extLst>
+              <a:ext uri="{FF2B5EF4-FFF2-40B4-BE49-F238E27FC236}">
+                <a16:creationId xmlns:a16="http://schemas.microsoft.com/office/drawing/2014/main" id="{E45B730C-4E1A-4F00-8E9F-6B3938DF0082}"/>
+              </a:ext>
+            </a:extLst>
+          </p:cNvPr>
+          <p:cNvPicPr>
+            <a:picLocks noChangeAspect="1"/>
+          </p:cNvPicPr>
+          <p:nvPr/>
+        </p:nvPicPr>
+        <p:blipFill>
+          <a:blip r:embed="rId2"/>
+          <a:stretch>
+            <a:fillRect/>
+          </a:stretch>
+        </p:blipFill>
+        <p:spPr>
+          <a:xfrm>
+            <a:off x="1412875" y="2173751"/>
+            <a:ext cx="9334500" cy="4114800"/>
+          </a:xfrm>
+          <a:prstGeom prst="rect">
+            <a:avLst/>
+          </a:prstGeom>
+        </p:spPr>
+      </p:pic>
+    </p:spTree>
+    <p:extLst>
+      <p:ext uri="{BB962C8B-B14F-4D97-AF65-F5344CB8AC3E}">
+        <p14:creationId xmlns:p14="http://schemas.microsoft.com/office/powerpoint/2010/main" val="2634120235"/>
+      </p:ext>
+    </p:extLst>
+  </p:cSld>
+  <p:clrMapOvr>
+    <a:masterClrMapping/>
+  </p:clrMapOvr>
+</p:sld>
+</file>
+
+<file path=ppt/slides/slide4.xml><?xml version="1.0" encoding="utf-8"?>
+<p:sld xmlns:a="http://schemas.openxmlformats.org/drawingml/2006/main" xmlns:r="http://schemas.openxmlformats.org/officeDocument/2006/relationships" xmlns:p="http://schemas.openxmlformats.org/presentationml/2006/main">
+  <p:cSld>
+    <p:spTree>
+      <p:nvGrpSpPr>
+        <p:cNvPr id="1" name=""/>
+        <p:cNvGrpSpPr/>
+        <p:nvPr/>
+      </p:nvGrpSpPr>
+      <p:grpSpPr>
+        <a:xfrm>
+          <a:off x="0" y="0"/>
+          <a:ext cx="0" cy="0"/>
+          <a:chOff x="0" y="0"/>
+          <a:chExt cx="0" cy="0"/>
+        </a:xfrm>
+      </p:grpSpPr>
+      <p:sp>
+        <p:nvSpPr>
+          <p:cNvPr id="5" name="제목 4"/>
+          <p:cNvSpPr>
+            <a:spLocks noGrp="1"/>
+          </p:cNvSpPr>
+          <p:nvPr>
+            <p:ph type="title"/>
+          </p:nvPr>
+        </p:nvSpPr>
+        <p:spPr>
+          <a:xfrm>
+            <a:off x="608016" y="551987"/>
+            <a:ext cx="10944225" cy="1140090"/>
+          </a:xfrm>
+        </p:spPr>
+        <p:txBody>
+          <a:bodyPr>
+            <a:noAutofit/>
+          </a:bodyPr>
+          <a:lstStyle/>
+          <a:p>
+            <a:pPr algn="l"/>
+            <a:r>
+              <a:rPr lang="en-US" altLang="ko-KR" sz="4400" dirty="0">
+                <a:solidFill>
+                  <a:schemeClr val="tx1">
+                    <a:lumMod val="75000"/>
+                    <a:lumOff val="25000"/>
+                  </a:schemeClr>
+                </a:solidFill>
+                <a:latin typeface="Noto Sans CJK KR Black" pitchFamily="34" charset="-127"/>
+                <a:ea typeface="Noto Sans CJK KR Black" pitchFamily="34" charset="-127"/>
+              </a:rPr>
+              <a:t>1. </a:t>
+            </a:r>
+            <a:r>
+              <a:rPr lang="ko-KR" altLang="en-US" sz="4400" dirty="0"/>
+              <a:t>데이터 분석의 단계별 목적 이해하기 </a:t>
+            </a:r>
+            <a:endParaRPr lang="ko-KR" altLang="en-US" sz="4400" dirty="0">
+              <a:solidFill>
+                <a:schemeClr val="tx1">
+                  <a:lumMod val="75000"/>
+                  <a:lumOff val="25000"/>
+                </a:schemeClr>
+              </a:solidFill>
+            </a:endParaRPr>
+          </a:p>
+        </p:txBody>
+      </p:sp>
+      <p:sp>
+        <p:nvSpPr>
+          <p:cNvPr id="3" name="슬라이드 번호 개체 틀 2"/>
+          <p:cNvSpPr>
+            <a:spLocks noGrp="1"/>
+          </p:cNvSpPr>
+          <p:nvPr>
+            <p:ph type="sldNum" sz="quarter" idx="12"/>
+          </p:nvPr>
+        </p:nvSpPr>
+        <p:spPr/>
+        <p:txBody>
+          <a:bodyPr/>
+          <a:lstStyle/>
+          <a:p>
+            <a:fld id="{6DDAE2C3-1A0B-474A-8CE8-AE55B8D9D4B1}" type="slidenum">
+              <a:rPr lang="ko-KR" altLang="en-US" smtClean="0"/>
+              <a:pPr/>
+              <a:t>4</a:t>
+            </a:fld>
+            <a:endParaRPr lang="ko-KR" altLang="en-US" dirty="0"/>
+          </a:p>
+        </p:txBody>
+      </p:sp>
+      <p:pic>
+        <p:nvPicPr>
+          <p:cNvPr id="4" name="그림 3">
+            <a:extLst>
+              <a:ext uri="{FF2B5EF4-FFF2-40B4-BE49-F238E27FC236}">
+                <a16:creationId xmlns:a16="http://schemas.microsoft.com/office/drawing/2014/main" id="{3C105278-7114-457B-9F85-F28D53A31DD2}"/>
+              </a:ext>
+            </a:extLst>
+          </p:cNvPr>
+          <p:cNvPicPr>
+            <a:picLocks noChangeAspect="1"/>
+          </p:cNvPicPr>
+          <p:nvPr/>
+        </p:nvPicPr>
+        <p:blipFill>
+          <a:blip r:embed="rId2"/>
+          <a:stretch>
+            <a:fillRect/>
+          </a:stretch>
+        </p:blipFill>
+        <p:spPr>
+          <a:xfrm>
+            <a:off x="1855787" y="2643981"/>
+            <a:ext cx="8448675" cy="1552575"/>
+          </a:xfrm>
+          <a:prstGeom prst="rect">
+            <a:avLst/>
+          </a:prstGeom>
+        </p:spPr>
+      </p:pic>
+    </p:spTree>
+    <p:extLst>
+      <p:ext uri="{BB962C8B-B14F-4D97-AF65-F5344CB8AC3E}">
+        <p14:creationId xmlns:p14="http://schemas.microsoft.com/office/powerpoint/2010/main" val="3368453202"/>
+      </p:ext>
+    </p:extLst>
+  </p:cSld>
+  <p:clrMapOvr>
+    <a:masterClrMapping/>
+  </p:clrMapOvr>
+</p:sld>
+</file>
+
+<file path=ppt/slides/slide40.xml><?xml version="1.0" encoding="utf-8"?>
+<p:sld xmlns:a="http://schemas.openxmlformats.org/drawingml/2006/main" xmlns:r="http://schemas.openxmlformats.org/officeDocument/2006/relationships" xmlns:p="http://schemas.openxmlformats.org/presentationml/2006/main">
+  <p:cSld>
+    <p:spTree>
+      <p:nvGrpSpPr>
+        <p:cNvPr id="1" name=""/>
+        <p:cNvGrpSpPr/>
+        <p:nvPr/>
+      </p:nvGrpSpPr>
+      <p:grpSpPr>
+        <a:xfrm>
+          <a:off x="0" y="0"/>
+          <a:ext cx="0" cy="0"/>
+          <a:chOff x="0" y="0"/>
+          <a:chExt cx="0" cy="0"/>
+        </a:xfrm>
+      </p:grpSpPr>
+      <p:sp>
+        <p:nvSpPr>
+          <p:cNvPr id="5" name="제목 4"/>
+          <p:cNvSpPr>
+            <a:spLocks noGrp="1"/>
+          </p:cNvSpPr>
+          <p:nvPr>
+            <p:ph type="title"/>
+          </p:nvPr>
+        </p:nvSpPr>
+        <p:spPr>
+          <a:xfrm>
+            <a:off x="608016" y="551987"/>
+            <a:ext cx="10944225" cy="1140090"/>
+          </a:xfrm>
+        </p:spPr>
+        <p:txBody>
+          <a:bodyPr>
+            <a:noAutofit/>
+          </a:bodyPr>
+          <a:lstStyle/>
+          <a:p>
+            <a:pPr algn="l"/>
+            <a:r>
+              <a:rPr lang="en-US" altLang="ko-KR" sz="4400" dirty="0">
+                <a:solidFill>
+                  <a:schemeClr val="tx1">
+                    <a:lumMod val="75000"/>
+                    <a:lumOff val="25000"/>
+                  </a:schemeClr>
+                </a:solidFill>
+                <a:latin typeface="Noto Sans CJK KR Black" pitchFamily="34" charset="-127"/>
+                <a:ea typeface="Noto Sans CJK KR Black" pitchFamily="34" charset="-127"/>
+              </a:rPr>
+              <a:t>3. </a:t>
+            </a:r>
+            <a:r>
+              <a:rPr lang="ko-KR" altLang="en-US" sz="4400" dirty="0"/>
+              <a:t>분석 단계별 의사결정을 위한 수학</a:t>
+            </a:r>
+            <a:r>
+              <a:rPr lang="en-US" altLang="ko-KR" sz="4400" dirty="0"/>
+              <a:t>/</a:t>
+            </a:r>
+            <a:r>
+              <a:rPr lang="ko-KR" altLang="en-US" sz="4400" dirty="0"/>
+              <a:t>통계적 언어를 이해하기</a:t>
+            </a:r>
+            <a:endParaRPr lang="ko-KR" altLang="en-US" sz="4400" dirty="0">
+              <a:solidFill>
+                <a:schemeClr val="tx1">
+                  <a:lumMod val="75000"/>
+                  <a:lumOff val="25000"/>
+                </a:schemeClr>
+              </a:solidFill>
+            </a:endParaRPr>
+          </a:p>
+        </p:txBody>
+      </p:sp>
+      <p:sp>
+        <p:nvSpPr>
+          <p:cNvPr id="3" name="슬라이드 번호 개체 틀 2"/>
+          <p:cNvSpPr>
+            <a:spLocks noGrp="1"/>
+          </p:cNvSpPr>
+          <p:nvPr>
+            <p:ph type="sldNum" sz="quarter" idx="12"/>
+          </p:nvPr>
+        </p:nvSpPr>
+        <p:spPr/>
+        <p:txBody>
+          <a:bodyPr/>
+          <a:lstStyle/>
+          <a:p>
+            <a:fld id="{6DDAE2C3-1A0B-474A-8CE8-AE55B8D9D4B1}" type="slidenum">
+              <a:rPr lang="ko-KR" altLang="en-US" smtClean="0"/>
+              <a:pPr/>
+              <a:t>40</a:t>
+            </a:fld>
+            <a:endParaRPr lang="ko-KR" altLang="en-US" dirty="0"/>
+          </a:p>
+        </p:txBody>
+      </p:sp>
+      <p:pic>
+        <p:nvPicPr>
+          <p:cNvPr id="4" name="그림 3">
+            <a:extLst>
+              <a:ext uri="{FF2B5EF4-FFF2-40B4-BE49-F238E27FC236}">
+                <a16:creationId xmlns:a16="http://schemas.microsoft.com/office/drawing/2014/main" id="{40AE04BC-2449-4188-8C68-C2605286C1DF}"/>
+              </a:ext>
+            </a:extLst>
+          </p:cNvPr>
+          <p:cNvPicPr>
+            <a:picLocks noChangeAspect="1"/>
+          </p:cNvPicPr>
+          <p:nvPr/>
+        </p:nvPicPr>
+        <p:blipFill>
+          <a:blip r:embed="rId2"/>
+          <a:stretch>
+            <a:fillRect/>
+          </a:stretch>
+        </p:blipFill>
+        <p:spPr>
+          <a:xfrm>
+            <a:off x="5864101" y="1282140"/>
+            <a:ext cx="6296149" cy="5562353"/>
+          </a:xfrm>
+          <a:prstGeom prst="rect">
+            <a:avLst/>
+          </a:prstGeom>
+        </p:spPr>
+      </p:pic>
+    </p:spTree>
+    <p:extLst>
+      <p:ext uri="{BB962C8B-B14F-4D97-AF65-F5344CB8AC3E}">
+        <p14:creationId xmlns:p14="http://schemas.microsoft.com/office/powerpoint/2010/main" val="3204226768"/>
+      </p:ext>
+    </p:extLst>
+  </p:cSld>
+  <p:clrMapOvr>
+    <a:masterClrMapping/>
+  </p:clrMapOvr>
+</p:sld>
+</file>
+
+<file path=ppt/slides/slide41.xml><?xml version="1.0" encoding="utf-8"?>
+<p:sld xmlns:a="http://schemas.openxmlformats.org/drawingml/2006/main" xmlns:r="http://schemas.openxmlformats.org/officeDocument/2006/relationships" xmlns:p="http://schemas.openxmlformats.org/presentationml/2006/main">
+  <p:cSld>
+    <p:spTree>
+      <p:nvGrpSpPr>
+        <p:cNvPr id="1" name=""/>
+        <p:cNvGrpSpPr/>
+        <p:nvPr/>
+      </p:nvGrpSpPr>
+      <p:grpSpPr>
+        <a:xfrm>
+          <a:off x="0" y="0"/>
+          <a:ext cx="0" cy="0"/>
+          <a:chOff x="0" y="0"/>
+          <a:chExt cx="0" cy="0"/>
+        </a:xfrm>
+      </p:grpSpPr>
+      <p:sp>
+        <p:nvSpPr>
+          <p:cNvPr id="5" name="제목 4"/>
+          <p:cNvSpPr>
+            <a:spLocks noGrp="1"/>
+          </p:cNvSpPr>
+          <p:nvPr>
+            <p:ph type="title"/>
+          </p:nvPr>
+        </p:nvSpPr>
+        <p:spPr>
+          <a:xfrm>
+            <a:off x="608016" y="551987"/>
+            <a:ext cx="10944225" cy="1140090"/>
+          </a:xfrm>
+        </p:spPr>
+        <p:txBody>
+          <a:bodyPr>
+            <a:noAutofit/>
+          </a:bodyPr>
+          <a:lstStyle/>
+          <a:p>
+            <a:pPr algn="l"/>
+            <a:r>
+              <a:rPr lang="en-US" altLang="ko-KR" sz="4400" dirty="0">
+                <a:solidFill>
+                  <a:schemeClr val="tx1">
+                    <a:lumMod val="75000"/>
+                    <a:lumOff val="25000"/>
+                  </a:schemeClr>
+                </a:solidFill>
+                <a:latin typeface="Noto Sans CJK KR Black" pitchFamily="34" charset="-127"/>
+                <a:ea typeface="Noto Sans CJK KR Black" pitchFamily="34" charset="-127"/>
+              </a:rPr>
+              <a:t>3. </a:t>
+            </a:r>
+            <a:r>
+              <a:rPr lang="ko-KR" altLang="en-US" sz="4400" dirty="0"/>
+              <a:t>분석 단계별 의사결정을 위한 수학</a:t>
+            </a:r>
+            <a:r>
+              <a:rPr lang="en-US" altLang="ko-KR" sz="4400" dirty="0"/>
+              <a:t>/</a:t>
+            </a:r>
+            <a:r>
+              <a:rPr lang="ko-KR" altLang="en-US" sz="4400" dirty="0"/>
+              <a:t>통계적 언어를 이해하기</a:t>
+            </a:r>
+            <a:endParaRPr lang="ko-KR" altLang="en-US" sz="4400" dirty="0">
+              <a:solidFill>
+                <a:schemeClr val="tx1">
+                  <a:lumMod val="75000"/>
+                  <a:lumOff val="25000"/>
+                </a:schemeClr>
+              </a:solidFill>
+            </a:endParaRPr>
+          </a:p>
+        </p:txBody>
+      </p:sp>
+      <p:sp>
+        <p:nvSpPr>
+          <p:cNvPr id="3" name="슬라이드 번호 개체 틀 2"/>
+          <p:cNvSpPr>
+            <a:spLocks noGrp="1"/>
+          </p:cNvSpPr>
+          <p:nvPr>
+            <p:ph type="sldNum" sz="quarter" idx="12"/>
+          </p:nvPr>
+        </p:nvSpPr>
+        <p:spPr/>
+        <p:txBody>
+          <a:bodyPr/>
+          <a:lstStyle/>
+          <a:p>
+            <a:fld id="{6DDAE2C3-1A0B-474A-8CE8-AE55B8D9D4B1}" type="slidenum">
+              <a:rPr lang="ko-KR" altLang="en-US" smtClean="0"/>
+              <a:pPr/>
+              <a:t>41</a:t>
+            </a:fld>
+            <a:endParaRPr lang="ko-KR" altLang="en-US" dirty="0"/>
+          </a:p>
+        </p:txBody>
+      </p:sp>
+      <p:pic>
+        <p:nvPicPr>
+          <p:cNvPr id="2" name="그림 1">
+            <a:extLst>
+              <a:ext uri="{FF2B5EF4-FFF2-40B4-BE49-F238E27FC236}">
+                <a16:creationId xmlns:a16="http://schemas.microsoft.com/office/drawing/2014/main" id="{F03C1694-1749-4D23-9770-558966605681}"/>
+              </a:ext>
+            </a:extLst>
+          </p:cNvPr>
+          <p:cNvPicPr>
+            <a:picLocks noChangeAspect="1"/>
+          </p:cNvPicPr>
+          <p:nvPr/>
+        </p:nvPicPr>
+        <p:blipFill>
+          <a:blip r:embed="rId2"/>
+          <a:stretch>
+            <a:fillRect/>
+          </a:stretch>
+        </p:blipFill>
+        <p:spPr>
+          <a:xfrm>
+            <a:off x="8655050" y="1364580"/>
+            <a:ext cx="3505200" cy="5400675"/>
+          </a:xfrm>
+          <a:prstGeom prst="rect">
+            <a:avLst/>
+          </a:prstGeom>
+        </p:spPr>
+      </p:pic>
+    </p:spTree>
+    <p:extLst>
+      <p:ext uri="{BB962C8B-B14F-4D97-AF65-F5344CB8AC3E}">
+        <p14:creationId xmlns:p14="http://schemas.microsoft.com/office/powerpoint/2010/main" val="2694990580"/>
+      </p:ext>
+    </p:extLst>
+  </p:cSld>
+  <p:clrMapOvr>
+    <a:masterClrMapping/>
+  </p:clrMapOvr>
+</p:sld>
+</file>
+
+<file path=ppt/slides/slide42.xml><?xml version="1.0" encoding="utf-8"?>
+<p:sld xmlns:a="http://schemas.openxmlformats.org/drawingml/2006/main" xmlns:r="http://schemas.openxmlformats.org/officeDocument/2006/relationships" xmlns:p="http://schemas.openxmlformats.org/presentationml/2006/main">
+  <p:cSld>
+    <p:spTree>
+      <p:nvGrpSpPr>
+        <p:cNvPr id="1" name=""/>
+        <p:cNvGrpSpPr/>
+        <p:nvPr/>
+      </p:nvGrpSpPr>
+      <p:grpSpPr>
+        <a:xfrm>
+          <a:off x="0" y="0"/>
+          <a:ext cx="0" cy="0"/>
+          <a:chOff x="0" y="0"/>
+          <a:chExt cx="0" cy="0"/>
+        </a:xfrm>
+      </p:grpSpPr>
+      <p:sp>
+        <p:nvSpPr>
+          <p:cNvPr id="5" name="제목 4"/>
+          <p:cNvSpPr>
+            <a:spLocks noGrp="1"/>
+          </p:cNvSpPr>
+          <p:nvPr>
+            <p:ph type="title"/>
+          </p:nvPr>
+        </p:nvSpPr>
+        <p:spPr>
+          <a:xfrm>
+            <a:off x="608016" y="551987"/>
+            <a:ext cx="10944225" cy="1140090"/>
+          </a:xfrm>
+        </p:spPr>
+        <p:txBody>
+          <a:bodyPr>
+            <a:noAutofit/>
+          </a:bodyPr>
+          <a:lstStyle/>
+          <a:p>
+            <a:pPr algn="l"/>
+            <a:r>
+              <a:rPr lang="en-US" altLang="ko-KR" sz="4400" dirty="0">
+                <a:solidFill>
+                  <a:schemeClr val="tx1">
+                    <a:lumMod val="75000"/>
+                    <a:lumOff val="25000"/>
+                  </a:schemeClr>
+                </a:solidFill>
+                <a:latin typeface="Noto Sans CJK KR Black" pitchFamily="34" charset="-127"/>
+                <a:ea typeface="Noto Sans CJK KR Black" pitchFamily="34" charset="-127"/>
+              </a:rPr>
+              <a:t>3. </a:t>
+            </a:r>
+            <a:r>
+              <a:rPr lang="ko-KR" altLang="en-US" sz="4400" dirty="0"/>
+              <a:t>분석 단계별 의사결정을 위한 수학</a:t>
+            </a:r>
+            <a:r>
+              <a:rPr lang="en-US" altLang="ko-KR" sz="4400" dirty="0"/>
+              <a:t>/</a:t>
+            </a:r>
+            <a:r>
+              <a:rPr lang="ko-KR" altLang="en-US" sz="4400" dirty="0"/>
+              <a:t>통계적 언어를 이해하기</a:t>
+            </a:r>
+            <a:endParaRPr lang="ko-KR" altLang="en-US" sz="4400" dirty="0">
+              <a:solidFill>
+                <a:schemeClr val="tx1">
+                  <a:lumMod val="75000"/>
+                  <a:lumOff val="25000"/>
+                </a:schemeClr>
+              </a:solidFill>
+            </a:endParaRPr>
+          </a:p>
+        </p:txBody>
+      </p:sp>
+      <p:sp>
+        <p:nvSpPr>
+          <p:cNvPr id="3" name="슬라이드 번호 개체 틀 2"/>
+          <p:cNvSpPr>
+            <a:spLocks noGrp="1"/>
+          </p:cNvSpPr>
+          <p:nvPr>
+            <p:ph type="sldNum" sz="quarter" idx="12"/>
+          </p:nvPr>
+        </p:nvSpPr>
+        <p:spPr/>
+        <p:txBody>
+          <a:bodyPr/>
+          <a:lstStyle/>
+          <a:p>
+            <a:fld id="{6DDAE2C3-1A0B-474A-8CE8-AE55B8D9D4B1}" type="slidenum">
+              <a:rPr lang="ko-KR" altLang="en-US" smtClean="0"/>
+              <a:pPr/>
+              <a:t>42</a:t>
+            </a:fld>
+            <a:endParaRPr lang="ko-KR" altLang="en-US" dirty="0"/>
+          </a:p>
+        </p:txBody>
+      </p:sp>
+      <p:pic>
+        <p:nvPicPr>
+          <p:cNvPr id="4" name="그림 3">
+            <a:extLst>
+              <a:ext uri="{FF2B5EF4-FFF2-40B4-BE49-F238E27FC236}">
+                <a16:creationId xmlns:a16="http://schemas.microsoft.com/office/drawing/2014/main" id="{0184DEE5-CC23-405D-8A38-4AD32CBF3AAC}"/>
+              </a:ext>
+            </a:extLst>
+          </p:cNvPr>
+          <p:cNvPicPr>
+            <a:picLocks noChangeAspect="1"/>
+          </p:cNvPicPr>
+          <p:nvPr/>
+        </p:nvPicPr>
+        <p:blipFill>
+          <a:blip r:embed="rId2"/>
+          <a:stretch>
+            <a:fillRect/>
+          </a:stretch>
+        </p:blipFill>
+        <p:spPr>
+          <a:xfrm>
+            <a:off x="1422400" y="2484165"/>
+            <a:ext cx="9315450" cy="3409950"/>
+          </a:xfrm>
+          <a:prstGeom prst="rect">
+            <a:avLst/>
+          </a:prstGeom>
+        </p:spPr>
+      </p:pic>
+    </p:spTree>
+    <p:extLst>
+      <p:ext uri="{BB962C8B-B14F-4D97-AF65-F5344CB8AC3E}">
+        <p14:creationId xmlns:p14="http://schemas.microsoft.com/office/powerpoint/2010/main" val="2402276858"/>
+      </p:ext>
+    </p:extLst>
+  </p:cSld>
+  <p:clrMapOvr>
+    <a:masterClrMapping/>
+  </p:clrMapOvr>
+</p:sld>
+</file>
+
+<file path=ppt/slides/slide43.xml><?xml version="1.0" encoding="utf-8"?>
+<p:sld xmlns:a="http://schemas.openxmlformats.org/drawingml/2006/main" xmlns:r="http://schemas.openxmlformats.org/officeDocument/2006/relationships" xmlns:p="http://schemas.openxmlformats.org/presentationml/2006/main">
+  <p:cSld>
+    <p:spTree>
+      <p:nvGrpSpPr>
+        <p:cNvPr id="1" name=""/>
+        <p:cNvGrpSpPr/>
+        <p:nvPr/>
+      </p:nvGrpSpPr>
+      <p:grpSpPr>
+        <a:xfrm>
+          <a:off x="0" y="0"/>
+          <a:ext cx="0" cy="0"/>
+          <a:chOff x="0" y="0"/>
+          <a:chExt cx="0" cy="0"/>
+        </a:xfrm>
+      </p:grpSpPr>
+      <p:sp>
+        <p:nvSpPr>
+          <p:cNvPr id="5" name="제목 4"/>
+          <p:cNvSpPr>
+            <a:spLocks noGrp="1"/>
+          </p:cNvSpPr>
+          <p:nvPr>
+            <p:ph type="title"/>
+          </p:nvPr>
+        </p:nvSpPr>
+        <p:spPr>
+          <a:xfrm>
+            <a:off x="608016" y="551987"/>
+            <a:ext cx="10944225" cy="1140090"/>
+          </a:xfrm>
+        </p:spPr>
+        <p:txBody>
+          <a:bodyPr>
+            <a:noAutofit/>
+          </a:bodyPr>
+          <a:lstStyle/>
+          <a:p>
+            <a:pPr algn="l"/>
+            <a:r>
+              <a:rPr lang="en-US" altLang="ko-KR" sz="4400" dirty="0">
+                <a:solidFill>
+                  <a:schemeClr val="tx1">
+                    <a:lumMod val="75000"/>
+                    <a:lumOff val="25000"/>
+                  </a:schemeClr>
+                </a:solidFill>
+                <a:latin typeface="Noto Sans CJK KR Black" pitchFamily="34" charset="-127"/>
+                <a:ea typeface="Noto Sans CJK KR Black" pitchFamily="34" charset="-127"/>
+              </a:rPr>
+              <a:t>3. </a:t>
+            </a:r>
+            <a:r>
+              <a:rPr lang="ko-KR" altLang="en-US" sz="4400" dirty="0"/>
+              <a:t>분석 단계별 의사결정을 위한 수학</a:t>
+            </a:r>
+            <a:r>
+              <a:rPr lang="en-US" altLang="ko-KR" sz="4400" dirty="0"/>
+              <a:t>/</a:t>
+            </a:r>
+            <a:r>
+              <a:rPr lang="ko-KR" altLang="en-US" sz="4400" dirty="0"/>
+              <a:t>통계적 언어를 이해하기</a:t>
+            </a:r>
+            <a:endParaRPr lang="ko-KR" altLang="en-US" sz="4400" dirty="0">
+              <a:solidFill>
+                <a:schemeClr val="tx1">
+                  <a:lumMod val="75000"/>
+                  <a:lumOff val="25000"/>
+                </a:schemeClr>
+              </a:solidFill>
+            </a:endParaRPr>
+          </a:p>
+        </p:txBody>
+      </p:sp>
+      <p:sp>
+        <p:nvSpPr>
+          <p:cNvPr id="3" name="슬라이드 번호 개체 틀 2"/>
+          <p:cNvSpPr>
+            <a:spLocks noGrp="1"/>
+          </p:cNvSpPr>
+          <p:nvPr>
+            <p:ph type="sldNum" sz="quarter" idx="12"/>
+          </p:nvPr>
+        </p:nvSpPr>
+        <p:spPr/>
+        <p:txBody>
+          <a:bodyPr/>
+          <a:lstStyle/>
+          <a:p>
+            <a:fld id="{6DDAE2C3-1A0B-474A-8CE8-AE55B8D9D4B1}" type="slidenum">
+              <a:rPr lang="ko-KR" altLang="en-US" smtClean="0"/>
+              <a:pPr/>
+              <a:t>43</a:t>
+            </a:fld>
+            <a:endParaRPr lang="ko-KR" altLang="en-US" dirty="0"/>
+          </a:p>
+        </p:txBody>
+      </p:sp>
+      <p:pic>
+        <p:nvPicPr>
+          <p:cNvPr id="2" name="그림 1">
+            <a:extLst>
+              <a:ext uri="{FF2B5EF4-FFF2-40B4-BE49-F238E27FC236}">
+                <a16:creationId xmlns:a16="http://schemas.microsoft.com/office/drawing/2014/main" id="{32B9DDE7-890F-4B3C-8A2A-7F70937C90F3}"/>
+              </a:ext>
+            </a:extLst>
+          </p:cNvPr>
+          <p:cNvPicPr>
+            <a:picLocks noChangeAspect="1"/>
+          </p:cNvPicPr>
+          <p:nvPr/>
+        </p:nvPicPr>
+        <p:blipFill>
+          <a:blip r:embed="rId3"/>
+          <a:stretch>
+            <a:fillRect/>
+          </a:stretch>
+        </p:blipFill>
+        <p:spPr>
+          <a:xfrm>
+            <a:off x="1403350" y="2074850"/>
+            <a:ext cx="9353550" cy="4448175"/>
+          </a:xfrm>
+          <a:prstGeom prst="rect">
+            <a:avLst/>
+          </a:prstGeom>
+        </p:spPr>
+      </p:pic>
+    </p:spTree>
+    <p:extLst>
+      <p:ext uri="{BB962C8B-B14F-4D97-AF65-F5344CB8AC3E}">
+        <p14:creationId xmlns:p14="http://schemas.microsoft.com/office/powerpoint/2010/main" val="1152376503"/>
+      </p:ext>
+    </p:extLst>
+  </p:cSld>
+  <p:clrMapOvr>
+    <a:masterClrMapping/>
+  </p:clrMapOvr>
+</p:sld>
+</file>
+
+<file path=ppt/slides/slide44.xml><?xml version="1.0" encoding="utf-8"?>
+<p:sld xmlns:a="http://schemas.openxmlformats.org/drawingml/2006/main" xmlns:r="http://schemas.openxmlformats.org/officeDocument/2006/relationships" xmlns:p="http://schemas.openxmlformats.org/presentationml/2006/main">
+  <p:cSld>
+    <p:spTree>
+      <p:nvGrpSpPr>
+        <p:cNvPr id="1" name=""/>
+        <p:cNvGrpSpPr/>
+        <p:nvPr/>
+      </p:nvGrpSpPr>
+      <p:grpSpPr>
+        <a:xfrm>
+          <a:off x="0" y="0"/>
+          <a:ext cx="0" cy="0"/>
+          <a:chOff x="0" y="0"/>
+          <a:chExt cx="0" cy="0"/>
+        </a:xfrm>
+      </p:grpSpPr>
+      <p:sp>
+        <p:nvSpPr>
+          <p:cNvPr id="5" name="제목 4"/>
+          <p:cNvSpPr>
+            <a:spLocks noGrp="1"/>
+          </p:cNvSpPr>
+          <p:nvPr>
+            <p:ph type="title"/>
+          </p:nvPr>
+        </p:nvSpPr>
+        <p:spPr>
+          <a:xfrm>
+            <a:off x="608016" y="551987"/>
+            <a:ext cx="10944225" cy="1140090"/>
+          </a:xfrm>
+        </p:spPr>
+        <p:txBody>
+          <a:bodyPr>
+            <a:noAutofit/>
+          </a:bodyPr>
+          <a:lstStyle/>
+          <a:p>
+            <a:pPr algn="l"/>
+            <a:r>
+              <a:rPr lang="en-US" altLang="ko-KR" sz="4400" dirty="0">
+                <a:solidFill>
+                  <a:schemeClr val="tx1">
+                    <a:lumMod val="75000"/>
+                    <a:lumOff val="25000"/>
+                  </a:schemeClr>
+                </a:solidFill>
+                <a:latin typeface="Noto Sans CJK KR Black" pitchFamily="34" charset="-127"/>
+                <a:ea typeface="Noto Sans CJK KR Black" pitchFamily="34" charset="-127"/>
+              </a:rPr>
+              <a:t>3. </a:t>
+            </a:r>
+            <a:r>
+              <a:rPr lang="ko-KR" altLang="en-US" sz="4400" dirty="0"/>
+              <a:t>분석 단계별 의사결정을 위한 수학</a:t>
+            </a:r>
+            <a:r>
+              <a:rPr lang="en-US" altLang="ko-KR" sz="4400" dirty="0"/>
+              <a:t>/</a:t>
+            </a:r>
+            <a:r>
+              <a:rPr lang="ko-KR" altLang="en-US" sz="4400" dirty="0"/>
+              <a:t>통계적 언어를 이해하기</a:t>
+            </a:r>
+            <a:endParaRPr lang="ko-KR" altLang="en-US" sz="4400" dirty="0">
+              <a:solidFill>
+                <a:schemeClr val="tx1">
+                  <a:lumMod val="75000"/>
+                  <a:lumOff val="25000"/>
+                </a:schemeClr>
+              </a:solidFill>
+            </a:endParaRPr>
+          </a:p>
+        </p:txBody>
+      </p:sp>
+      <p:sp>
+        <p:nvSpPr>
+          <p:cNvPr id="3" name="슬라이드 번호 개체 틀 2"/>
+          <p:cNvSpPr>
+            <a:spLocks noGrp="1"/>
+          </p:cNvSpPr>
+          <p:nvPr>
+            <p:ph type="sldNum" sz="quarter" idx="12"/>
+          </p:nvPr>
+        </p:nvSpPr>
+        <p:spPr/>
+        <p:txBody>
+          <a:bodyPr/>
+          <a:lstStyle/>
+          <a:p>
+            <a:fld id="{6DDAE2C3-1A0B-474A-8CE8-AE55B8D9D4B1}" type="slidenum">
+              <a:rPr lang="ko-KR" altLang="en-US" smtClean="0"/>
+              <a:pPr/>
+              <a:t>44</a:t>
+            </a:fld>
+            <a:endParaRPr lang="ko-KR" altLang="en-US" dirty="0"/>
+          </a:p>
+        </p:txBody>
+      </p:sp>
+      <p:pic>
+        <p:nvPicPr>
+          <p:cNvPr id="4" name="그림 3">
+            <a:extLst>
+              <a:ext uri="{FF2B5EF4-FFF2-40B4-BE49-F238E27FC236}">
+                <a16:creationId xmlns:a16="http://schemas.microsoft.com/office/drawing/2014/main" id="{66C84BCF-81C5-416B-A142-FD114F65DFA4}"/>
+              </a:ext>
+            </a:extLst>
+          </p:cNvPr>
+          <p:cNvPicPr>
+            <a:picLocks noChangeAspect="1"/>
+          </p:cNvPicPr>
+          <p:nvPr/>
+        </p:nvPicPr>
+        <p:blipFill>
+          <a:blip r:embed="rId3"/>
+          <a:stretch>
+            <a:fillRect/>
+          </a:stretch>
+        </p:blipFill>
+        <p:spPr>
+          <a:xfrm>
+            <a:off x="2043646" y="1816782"/>
+            <a:ext cx="8072958" cy="5023756"/>
+          </a:xfrm>
+          <a:prstGeom prst="rect">
+            <a:avLst/>
+          </a:prstGeom>
+        </p:spPr>
+      </p:pic>
+    </p:spTree>
+    <p:extLst>
+      <p:ext uri="{BB962C8B-B14F-4D97-AF65-F5344CB8AC3E}">
+        <p14:creationId xmlns:p14="http://schemas.microsoft.com/office/powerpoint/2010/main" val="4039482223"/>
+      </p:ext>
+    </p:extLst>
+  </p:cSld>
+  <p:clrMapOvr>
+    <a:masterClrMapping/>
+  </p:clrMapOvr>
+</p:sld>
+</file>
+
+<file path=ppt/slides/slide45.xml><?xml version="1.0" encoding="utf-8"?>
 <p:sld xmlns:a="http://schemas.openxmlformats.org/drawingml/2006/main" xmlns:r="http://schemas.openxmlformats.org/officeDocument/2006/relationships" xmlns:p="http://schemas.openxmlformats.org/presentationml/2006/main">
   <p:cSld>
     <p:spTree>
@@ -8765,7 +10220,7 @@
             <a:fld id="{6DDAE2C3-1A0B-474A-8CE8-AE55B8D9D4B1}" type="slidenum">
               <a:rPr lang="ko-KR" altLang="en-US" smtClean="0"/>
               <a:pPr/>
-              <a:t>37</a:t>
+              <a:t>45</a:t>
             </a:fld>
             <a:endParaRPr lang="ko-KR" altLang="en-US" dirty="0"/>
           </a:p>
@@ -8784,7 +10239,7 @@
 </p:sld>
 </file>
 
-<file path=ppt/slides/slide38.xml><?xml version="1.0" encoding="utf-8"?>
+<file path=ppt/slides/slide46.xml><?xml version="1.0" encoding="utf-8"?>
 <p:sld xmlns:a="http://schemas.openxmlformats.org/drawingml/2006/main" xmlns:r="http://schemas.openxmlformats.org/officeDocument/2006/relationships" xmlns:p="http://schemas.openxmlformats.org/presentationml/2006/main">
   <p:cSld>
     <p:spTree>
@@ -8961,141 +10416,6 @@
     <p:extLst>
       <p:ext uri="{BB962C8B-B14F-4D97-AF65-F5344CB8AC3E}">
         <p14:creationId xmlns:p14="http://schemas.microsoft.com/office/powerpoint/2010/main" val="3523919720"/>
-      </p:ext>
-    </p:extLst>
-  </p:cSld>
-  <p:clrMapOvr>
-    <a:masterClrMapping/>
-  </p:clrMapOvr>
-</p:sld>
-</file>
-
-<file path=ppt/slides/slide4.xml><?xml version="1.0" encoding="utf-8"?>
-<p:sld xmlns:a="http://schemas.openxmlformats.org/drawingml/2006/main" xmlns:r="http://schemas.openxmlformats.org/officeDocument/2006/relationships" xmlns:p="http://schemas.openxmlformats.org/presentationml/2006/main">
-  <p:cSld>
-    <p:spTree>
-      <p:nvGrpSpPr>
-        <p:cNvPr id="1" name=""/>
-        <p:cNvGrpSpPr/>
-        <p:nvPr/>
-      </p:nvGrpSpPr>
-      <p:grpSpPr>
-        <a:xfrm>
-          <a:off x="0" y="0"/>
-          <a:ext cx="0" cy="0"/>
-          <a:chOff x="0" y="0"/>
-          <a:chExt cx="0" cy="0"/>
-        </a:xfrm>
-      </p:grpSpPr>
-      <p:sp>
-        <p:nvSpPr>
-          <p:cNvPr id="5" name="제목 4"/>
-          <p:cNvSpPr>
-            <a:spLocks noGrp="1"/>
-          </p:cNvSpPr>
-          <p:nvPr>
-            <p:ph type="title"/>
-          </p:nvPr>
-        </p:nvSpPr>
-        <p:spPr>
-          <a:xfrm>
-            <a:off x="608016" y="551987"/>
-            <a:ext cx="10944225" cy="1140090"/>
-          </a:xfrm>
-        </p:spPr>
-        <p:txBody>
-          <a:bodyPr>
-            <a:noAutofit/>
-          </a:bodyPr>
-          <a:lstStyle/>
-          <a:p>
-            <a:pPr algn="l"/>
-            <a:r>
-              <a:rPr lang="en-US" altLang="ko-KR" sz="4400" dirty="0">
-                <a:solidFill>
-                  <a:schemeClr val="tx1">
-                    <a:lumMod val="75000"/>
-                    <a:lumOff val="25000"/>
-                  </a:schemeClr>
-                </a:solidFill>
-                <a:latin typeface="Noto Sans CJK KR Black" pitchFamily="34" charset="-127"/>
-                <a:ea typeface="Noto Sans CJK KR Black" pitchFamily="34" charset="-127"/>
-              </a:rPr>
-              <a:t>1. </a:t>
-            </a:r>
-            <a:r>
-              <a:rPr lang="ko-KR" altLang="en-US" sz="4400" dirty="0"/>
-              <a:t>데이터 분석의 단계별 목적 이해하기 </a:t>
-            </a:r>
-            <a:endParaRPr lang="ko-KR" altLang="en-US" sz="4400" dirty="0">
-              <a:solidFill>
-                <a:schemeClr val="tx1">
-                  <a:lumMod val="75000"/>
-                  <a:lumOff val="25000"/>
-                </a:schemeClr>
-              </a:solidFill>
-            </a:endParaRPr>
-          </a:p>
-        </p:txBody>
-      </p:sp>
-      <p:sp>
-        <p:nvSpPr>
-          <p:cNvPr id="3" name="슬라이드 번호 개체 틀 2"/>
-          <p:cNvSpPr>
-            <a:spLocks noGrp="1"/>
-          </p:cNvSpPr>
-          <p:nvPr>
-            <p:ph type="sldNum" sz="quarter" idx="12"/>
-          </p:nvPr>
-        </p:nvSpPr>
-        <p:spPr/>
-        <p:txBody>
-          <a:bodyPr/>
-          <a:lstStyle/>
-          <a:p>
-            <a:fld id="{6DDAE2C3-1A0B-474A-8CE8-AE55B8D9D4B1}" type="slidenum">
-              <a:rPr lang="ko-KR" altLang="en-US" smtClean="0"/>
-              <a:pPr/>
-              <a:t>4</a:t>
-            </a:fld>
-            <a:endParaRPr lang="ko-KR" altLang="en-US" dirty="0"/>
-          </a:p>
-        </p:txBody>
-      </p:sp>
-      <p:pic>
-        <p:nvPicPr>
-          <p:cNvPr id="2" name="그림 1">
-            <a:extLst>
-              <a:ext uri="{FF2B5EF4-FFF2-40B4-BE49-F238E27FC236}">
-                <a16:creationId xmlns:a16="http://schemas.microsoft.com/office/drawing/2014/main" id="{0AB9CC90-724C-42A0-AA0B-959A398F9561}"/>
-              </a:ext>
-            </a:extLst>
-          </p:cNvPr>
-          <p:cNvPicPr>
-            <a:picLocks noChangeAspect="1"/>
-          </p:cNvPicPr>
-          <p:nvPr/>
-        </p:nvPicPr>
-        <p:blipFill>
-          <a:blip r:embed="rId2"/>
-          <a:stretch>
-            <a:fillRect/>
-          </a:stretch>
-        </p:blipFill>
-        <p:spPr>
-          <a:xfrm>
-            <a:off x="1855787" y="2615406"/>
-            <a:ext cx="8448675" cy="1609725"/>
-          </a:xfrm>
-          <a:prstGeom prst="rect">
-            <a:avLst/>
-          </a:prstGeom>
-        </p:spPr>
-      </p:pic>
-    </p:spTree>
-    <p:extLst>
-      <p:ext uri="{BB962C8B-B14F-4D97-AF65-F5344CB8AC3E}">
-        <p14:creationId xmlns:p14="http://schemas.microsoft.com/office/powerpoint/2010/main" val="3368453202"/>
       </p:ext>
     </p:extLst>
   </p:cSld>
